--- a/docs/diagrams/ActivityDiagram.pptx
+++ b/docs/diagrams/ActivityDiagram.pptx
@@ -3557,7 +3557,7 @@
         <p:spPr>
           <a:xfrm>
             <a:off x="152400" y="304800"/>
-            <a:ext cx="8077200" cy="6248400"/>
+            <a:ext cx="10744200" cy="6248400"/>
           </a:xfrm>
           <a:prstGeom prst="roundRect">
             <a:avLst>
@@ -3565,27 +3565,22 @@
             </a:avLst>
           </a:prstGeom>
           <a:solidFill>
-            <a:schemeClr val="tx1"/>
+            <a:schemeClr val="tx2">
+              <a:lumMod val="20000"/>
+              <a:lumOff val="80000"/>
+            </a:schemeClr>
           </a:solidFill>
-          <a:ln>
-            <a:solidFill>
-              <a:schemeClr val="bg1">
-                <a:lumMod val="85000"/>
-              </a:schemeClr>
-            </a:solidFill>
-          </a:ln>
+          <a:ln/>
         </p:spPr>
         <p:style>
-          <a:lnRef idx="2">
-            <a:schemeClr val="accent1">
-              <a:shade val="50000"/>
-            </a:schemeClr>
+          <a:lnRef idx="1">
+            <a:schemeClr val="accent3"/>
           </a:lnRef>
-          <a:fillRef idx="1">
-            <a:schemeClr val="accent1"/>
+          <a:fillRef idx="3">
+            <a:schemeClr val="accent3"/>
           </a:fillRef>
-          <a:effectRef idx="0">
-            <a:schemeClr val="accent1"/>
+          <a:effectRef idx="2">
+            <a:schemeClr val="accent3"/>
           </a:effectRef>
           <a:fontRef idx="minor">
             <a:schemeClr val="lt1"/>
@@ -3621,11 +3616,6 @@
             </a:avLst>
           </a:prstGeom>
           <a:ln>
-            <a:solidFill>
-              <a:schemeClr val="bg2">
-                <a:lumMod val="75000"/>
-              </a:schemeClr>
-            </a:solidFill>
             <a:tailEnd type="triangle"/>
           </a:ln>
         </p:spPr>
@@ -3785,28 +3775,22 @@
           <a:prstGeom prst="roundRect">
             <a:avLst/>
           </a:prstGeom>
-          <a:solidFill>
-            <a:schemeClr val="accent3"/>
-          </a:solidFill>
-          <a:ln w="19050">
-            <a:solidFill>
-              <a:schemeClr val="bg1"/>
-            </a:solidFill>
-          </a:ln>
-          <a:effectLst/>
+          <a:ln/>
         </p:spPr>
         <p:style>
-          <a:lnRef idx="1">
-            <a:schemeClr val="accent2"/>
+          <a:lnRef idx="2">
+            <a:schemeClr val="accent5">
+              <a:shade val="50000"/>
+            </a:schemeClr>
           </a:lnRef>
-          <a:fillRef idx="2">
-            <a:schemeClr val="accent2"/>
+          <a:fillRef idx="1">
+            <a:schemeClr val="accent5"/>
           </a:fillRef>
-          <a:effectRef idx="1">
-            <a:schemeClr val="accent2"/>
+          <a:effectRef idx="0">
+            <a:schemeClr val="accent5"/>
           </a:effectRef>
           <a:fontRef idx="minor">
-            <a:schemeClr val="dk1"/>
+            <a:schemeClr val="lt1"/>
           </a:fontRef>
         </p:style>
         <p:txBody>
@@ -3853,18 +3837,10 @@
           <a:p>
             <a:pPr algn="ctr"/>
             <a:r>
-              <a:rPr lang="en-SG" sz="1400" dirty="0" smtClean="0">
-                <a:solidFill>
-                  <a:schemeClr val="bg1"/>
-                </a:solidFill>
-              </a:rPr>
+              <a:rPr lang="en-SG" sz="1400" dirty="0" smtClean="0"/>
               <a:t>(start application)</a:t>
             </a:r>
-            <a:endParaRPr lang="en-SG" sz="1400" dirty="0">
-              <a:solidFill>
-                <a:schemeClr val="bg1"/>
-              </a:solidFill>
-            </a:endParaRPr>
+            <a:endParaRPr lang="en-SG" sz="1400" dirty="0"/>
           </a:p>
         </p:txBody>
       </p:sp>
@@ -3980,28 +3956,22 @@
           <a:prstGeom prst="roundRect">
             <a:avLst/>
           </a:prstGeom>
-          <a:solidFill>
-            <a:schemeClr val="accent3"/>
-          </a:solidFill>
-          <a:ln w="19050">
-            <a:solidFill>
-              <a:schemeClr val="bg1"/>
-            </a:solidFill>
-          </a:ln>
-          <a:effectLst/>
+          <a:ln/>
         </p:spPr>
         <p:style>
-          <a:lnRef idx="1">
-            <a:schemeClr val="accent2"/>
+          <a:lnRef idx="2">
+            <a:schemeClr val="accent5">
+              <a:shade val="50000"/>
+            </a:schemeClr>
           </a:lnRef>
-          <a:fillRef idx="2">
-            <a:schemeClr val="accent2"/>
+          <a:fillRef idx="1">
+            <a:schemeClr val="accent5"/>
           </a:fillRef>
-          <a:effectRef idx="1">
-            <a:schemeClr val="accent2"/>
+          <a:effectRef idx="0">
+            <a:schemeClr val="accent5"/>
           </a:effectRef>
           <a:fontRef idx="minor">
-            <a:schemeClr val="dk1"/>
+            <a:schemeClr val="lt1"/>
           </a:fontRef>
         </p:style>
         <p:txBody>
@@ -4039,28 +4009,22 @@
           <a:prstGeom prst="roundRect">
             <a:avLst/>
           </a:prstGeom>
-          <a:solidFill>
-            <a:schemeClr val="accent3"/>
-          </a:solidFill>
-          <a:ln w="19050">
-            <a:solidFill>
-              <a:schemeClr val="bg1"/>
-            </a:solidFill>
-          </a:ln>
-          <a:effectLst/>
+          <a:ln/>
         </p:spPr>
         <p:style>
-          <a:lnRef idx="1">
-            <a:schemeClr val="accent2"/>
+          <a:lnRef idx="2">
+            <a:schemeClr val="accent5">
+              <a:shade val="50000"/>
+            </a:schemeClr>
           </a:lnRef>
-          <a:fillRef idx="2">
-            <a:schemeClr val="accent2"/>
+          <a:fillRef idx="1">
+            <a:schemeClr val="accent5"/>
           </a:fillRef>
-          <a:effectRef idx="1">
-            <a:schemeClr val="accent2"/>
+          <a:effectRef idx="0">
+            <a:schemeClr val="accent5"/>
           </a:effectRef>
           <a:fontRef idx="minor">
-            <a:schemeClr val="dk1"/>
+            <a:schemeClr val="lt1"/>
           </a:fontRef>
         </p:style>
         <p:txBody>
@@ -4098,28 +4062,22 @@
           <a:prstGeom prst="roundRect">
             <a:avLst/>
           </a:prstGeom>
-          <a:solidFill>
-            <a:schemeClr val="accent3"/>
-          </a:solidFill>
-          <a:ln w="19050">
-            <a:solidFill>
-              <a:schemeClr val="bg1"/>
-            </a:solidFill>
-          </a:ln>
-          <a:effectLst/>
+          <a:ln/>
         </p:spPr>
         <p:style>
-          <a:lnRef idx="1">
-            <a:schemeClr val="accent2"/>
+          <a:lnRef idx="2">
+            <a:schemeClr val="accent5">
+              <a:shade val="50000"/>
+            </a:schemeClr>
           </a:lnRef>
-          <a:fillRef idx="2">
-            <a:schemeClr val="accent2"/>
+          <a:fillRef idx="1">
+            <a:schemeClr val="accent5"/>
           </a:fillRef>
-          <a:effectRef idx="1">
-            <a:schemeClr val="accent2"/>
+          <a:effectRef idx="0">
+            <a:schemeClr val="accent5"/>
           </a:effectRef>
           <a:fontRef idx="minor">
-            <a:schemeClr val="dk1"/>
+            <a:schemeClr val="lt1"/>
           </a:fontRef>
         </p:style>
         <p:txBody>
@@ -4151,34 +4109,28 @@
         </p:nvSpPr>
         <p:spPr>
           <a:xfrm flipH="1">
-            <a:off x="5080908" y="4573063"/>
+            <a:off x="5303774" y="4560849"/>
             <a:ext cx="820138" cy="330940"/>
           </a:xfrm>
           <a:prstGeom prst="roundRect">
             <a:avLst/>
           </a:prstGeom>
-          <a:solidFill>
-            <a:schemeClr val="accent3"/>
-          </a:solidFill>
-          <a:ln w="19050">
-            <a:solidFill>
-              <a:schemeClr val="bg1"/>
-            </a:solidFill>
-          </a:ln>
-          <a:effectLst/>
+          <a:ln/>
         </p:spPr>
         <p:style>
-          <a:lnRef idx="1">
-            <a:schemeClr val="accent2"/>
+          <a:lnRef idx="2">
+            <a:schemeClr val="accent5">
+              <a:shade val="50000"/>
+            </a:schemeClr>
           </a:lnRef>
-          <a:fillRef idx="2">
-            <a:schemeClr val="accent2"/>
+          <a:fillRef idx="1">
+            <a:schemeClr val="accent5"/>
           </a:fillRef>
-          <a:effectRef idx="1">
-            <a:schemeClr val="accent2"/>
+          <a:effectRef idx="0">
+            <a:schemeClr val="accent5"/>
           </a:effectRef>
           <a:fontRef idx="minor">
-            <a:schemeClr val="dk1"/>
+            <a:schemeClr val="lt1"/>
           </a:fontRef>
         </p:style>
         <p:txBody>
@@ -4216,28 +4168,22 @@
           <a:prstGeom prst="roundRect">
             <a:avLst/>
           </a:prstGeom>
-          <a:solidFill>
-            <a:schemeClr val="accent3"/>
-          </a:solidFill>
-          <a:ln w="19050">
-            <a:solidFill>
-              <a:schemeClr val="bg1"/>
-            </a:solidFill>
-          </a:ln>
-          <a:effectLst/>
+          <a:ln/>
         </p:spPr>
         <p:style>
-          <a:lnRef idx="1">
-            <a:schemeClr val="accent2"/>
+          <a:lnRef idx="2">
+            <a:schemeClr val="accent5">
+              <a:shade val="50000"/>
+            </a:schemeClr>
           </a:lnRef>
-          <a:fillRef idx="2">
-            <a:schemeClr val="accent2"/>
+          <a:fillRef idx="1">
+            <a:schemeClr val="accent5"/>
           </a:fillRef>
-          <a:effectRef idx="1">
-            <a:schemeClr val="accent2"/>
+          <a:effectRef idx="0">
+            <a:schemeClr val="accent5"/>
           </a:effectRef>
           <a:fontRef idx="minor">
-            <a:schemeClr val="dk1"/>
+            <a:schemeClr val="lt1"/>
           </a:fontRef>
         </p:style>
         <p:txBody>
@@ -4275,28 +4221,22 @@
           <a:prstGeom prst="roundRect">
             <a:avLst/>
           </a:prstGeom>
-          <a:solidFill>
-            <a:schemeClr val="accent3"/>
-          </a:solidFill>
-          <a:ln w="19050">
-            <a:solidFill>
-              <a:schemeClr val="bg1"/>
-            </a:solidFill>
-          </a:ln>
-          <a:effectLst/>
+          <a:ln/>
         </p:spPr>
         <p:style>
-          <a:lnRef idx="1">
-            <a:schemeClr val="accent2"/>
+          <a:lnRef idx="2">
+            <a:schemeClr val="accent5">
+              <a:shade val="50000"/>
+            </a:schemeClr>
           </a:lnRef>
-          <a:fillRef idx="2">
-            <a:schemeClr val="accent2"/>
+          <a:fillRef idx="1">
+            <a:schemeClr val="accent5"/>
           </a:fillRef>
-          <a:effectRef idx="1">
-            <a:schemeClr val="accent2"/>
+          <a:effectRef idx="0">
+            <a:schemeClr val="accent5"/>
           </a:effectRef>
           <a:fontRef idx="minor">
-            <a:schemeClr val="dk1"/>
+            <a:schemeClr val="lt1"/>
           </a:fontRef>
         </p:style>
         <p:txBody>
@@ -4334,28 +4274,22 @@
           <a:prstGeom prst="roundRect">
             <a:avLst/>
           </a:prstGeom>
-          <a:solidFill>
-            <a:schemeClr val="accent3"/>
-          </a:solidFill>
-          <a:ln w="19050">
-            <a:solidFill>
-              <a:schemeClr val="bg1"/>
-            </a:solidFill>
-          </a:ln>
-          <a:effectLst/>
+          <a:ln/>
         </p:spPr>
         <p:style>
-          <a:lnRef idx="1">
-            <a:schemeClr val="accent2"/>
+          <a:lnRef idx="2">
+            <a:schemeClr val="accent5">
+              <a:shade val="50000"/>
+            </a:schemeClr>
           </a:lnRef>
-          <a:fillRef idx="2">
-            <a:schemeClr val="accent2"/>
+          <a:fillRef idx="1">
+            <a:schemeClr val="accent5"/>
           </a:fillRef>
-          <a:effectRef idx="1">
-            <a:schemeClr val="accent2"/>
+          <a:effectRef idx="0">
+            <a:schemeClr val="accent5"/>
           </a:effectRef>
           <a:fontRef idx="minor">
-            <a:schemeClr val="dk1"/>
+            <a:schemeClr val="lt1"/>
           </a:fontRef>
         </p:style>
         <p:txBody>
@@ -4393,28 +4327,22 @@
           <a:prstGeom prst="roundRect">
             <a:avLst/>
           </a:prstGeom>
-          <a:solidFill>
-            <a:schemeClr val="accent3"/>
-          </a:solidFill>
-          <a:ln w="19050">
-            <a:solidFill>
-              <a:schemeClr val="bg1"/>
-            </a:solidFill>
-          </a:ln>
-          <a:effectLst/>
+          <a:ln/>
         </p:spPr>
         <p:style>
-          <a:lnRef idx="1">
-            <a:schemeClr val="accent2"/>
+          <a:lnRef idx="2">
+            <a:schemeClr val="accent5">
+              <a:shade val="50000"/>
+            </a:schemeClr>
           </a:lnRef>
-          <a:fillRef idx="2">
-            <a:schemeClr val="accent2"/>
+          <a:fillRef idx="1">
+            <a:schemeClr val="accent5"/>
           </a:fillRef>
-          <a:effectRef idx="1">
-            <a:schemeClr val="accent2"/>
+          <a:effectRef idx="0">
+            <a:schemeClr val="accent5"/>
           </a:effectRef>
           <a:fontRef idx="minor">
-            <a:schemeClr val="dk1"/>
+            <a:schemeClr val="lt1"/>
           </a:fontRef>
         </p:style>
         <p:txBody>
@@ -5047,7 +4975,7 @@
         </p:nvSpPr>
         <p:spPr>
           <a:xfrm>
-            <a:off x="5303774" y="3327359"/>
+            <a:off x="5519410" y="3371214"/>
             <a:ext cx="372569" cy="428046"/>
           </a:xfrm>
           <a:prstGeom prst="diamond">
@@ -5145,8 +5073,8 @@
         </p:nvCxnSpPr>
         <p:spPr>
           <a:xfrm rot="10800000" flipV="1">
-            <a:off x="3442058" y="3541382"/>
-            <a:ext cx="1861716" cy="2173618"/>
+            <a:off x="3442058" y="3585236"/>
+            <a:ext cx="2077352" cy="2129763"/>
           </a:xfrm>
           <a:prstGeom prst="bentConnector2">
             <a:avLst/>
@@ -5178,8 +5106,8 @@
         </p:nvCxnSpPr>
         <p:spPr>
           <a:xfrm>
-            <a:off x="5490058" y="2432455"/>
-            <a:ext cx="0" cy="894903"/>
+            <a:off x="5705694" y="2432455"/>
+            <a:ext cx="8149" cy="938759"/>
           </a:xfrm>
           <a:prstGeom prst="straightConnector1">
             <a:avLst/>
@@ -5215,8 +5143,8 @@
         </p:nvCxnSpPr>
         <p:spPr>
           <a:xfrm>
-            <a:off x="5490059" y="3755405"/>
-            <a:ext cx="918" cy="817658"/>
+            <a:off x="5705695" y="3799260"/>
+            <a:ext cx="8148" cy="761589"/>
           </a:xfrm>
           <a:prstGeom prst="straightConnector1">
             <a:avLst/>
@@ -5252,8 +5180,8 @@
         </p:nvCxnSpPr>
         <p:spPr>
           <a:xfrm rot="5400000">
-            <a:off x="4061020" y="4285042"/>
-            <a:ext cx="810997" cy="2048919"/>
+            <a:off x="4166346" y="4167502"/>
+            <a:ext cx="823211" cy="2271785"/>
           </a:xfrm>
           <a:prstGeom prst="bentConnector3">
             <a:avLst>
@@ -5347,14 +5275,59 @@
           <a:p>
             <a:pPr algn="ctr"/>
             <a:r>
-              <a:rPr lang="en-SG" sz="1400" dirty="0" smtClean="0">
+              <a:rPr lang="en-SG" sz="1400" dirty="0" smtClean="0"/>
+              <a:t>(end application)</a:t>
+            </a:r>
+            <a:endParaRPr lang="en-SG" sz="1400" dirty="0"/>
+          </a:p>
+        </p:txBody>
+      </p:sp>
+      <p:sp>
+        <p:nvSpPr>
+          <p:cNvPr id="42" name="Rectangle 62"/>
+          <p:cNvSpPr/>
+          <p:nvPr/>
+        </p:nvSpPr>
+        <p:spPr>
+          <a:xfrm flipH="1">
+            <a:off x="8996476" y="2088446"/>
+            <a:ext cx="633794" cy="330940"/>
+          </a:xfrm>
+          <a:prstGeom prst="roundRect">
+            <a:avLst/>
+          </a:prstGeom>
+          <a:ln/>
+        </p:spPr>
+        <p:style>
+          <a:lnRef idx="2">
+            <a:schemeClr val="accent5">
+              <a:shade val="50000"/>
+            </a:schemeClr>
+          </a:lnRef>
+          <a:fillRef idx="1">
+            <a:schemeClr val="accent5"/>
+          </a:fillRef>
+          <a:effectRef idx="0">
+            <a:schemeClr val="accent5"/>
+          </a:effectRef>
+          <a:fontRef idx="minor">
+            <a:schemeClr val="lt1"/>
+          </a:fontRef>
+        </p:style>
+        <p:txBody>
+          <a:bodyPr rtlCol="0" anchor="ctr"/>
+          <a:lstStyle/>
+          <a:p>
+            <a:pPr algn="ctr"/>
+            <a:r>
+              <a:rPr lang="en-US" sz="1600" dirty="0" smtClean="0">
                 <a:solidFill>
                   <a:schemeClr val="bg1"/>
                 </a:solidFill>
               </a:rPr>
-              <a:t>(end application)</a:t>
-            </a:r>
-            <a:endParaRPr lang="en-SG" sz="1400" dirty="0">
+              <a:t>View</a:t>
+            </a:r>
+            <a:endParaRPr lang="en-SG" sz="1600" dirty="0">
               <a:solidFill>
                 <a:schemeClr val="bg1"/>
               </a:solidFill>
@@ -5362,6 +5335,333 @@
           </a:p>
         </p:txBody>
       </p:sp>
+      <p:sp>
+        <p:nvSpPr>
+          <p:cNvPr id="43" name="Rectangle 62"/>
+          <p:cNvSpPr/>
+          <p:nvPr/>
+        </p:nvSpPr>
+        <p:spPr>
+          <a:xfrm flipH="1">
+            <a:off x="8158820" y="2088446"/>
+            <a:ext cx="633794" cy="330940"/>
+          </a:xfrm>
+          <a:prstGeom prst="roundRect">
+            <a:avLst/>
+          </a:prstGeom>
+          <a:ln/>
+        </p:spPr>
+        <p:style>
+          <a:lnRef idx="2">
+            <a:schemeClr val="accent5">
+              <a:shade val="50000"/>
+            </a:schemeClr>
+          </a:lnRef>
+          <a:fillRef idx="1">
+            <a:schemeClr val="accent5"/>
+          </a:fillRef>
+          <a:effectRef idx="0">
+            <a:schemeClr val="accent5"/>
+          </a:effectRef>
+          <a:fontRef idx="minor">
+            <a:schemeClr val="lt1"/>
+          </a:fontRef>
+        </p:style>
+        <p:txBody>
+          <a:bodyPr rtlCol="0" anchor="ctr"/>
+          <a:lstStyle/>
+          <a:p>
+            <a:pPr algn="ctr"/>
+            <a:r>
+              <a:rPr lang="en-US" sz="1600" dirty="0" smtClean="0">
+                <a:solidFill>
+                  <a:schemeClr val="bg1"/>
+                </a:solidFill>
+              </a:rPr>
+              <a:t>Find</a:t>
+            </a:r>
+            <a:endParaRPr lang="en-SG" sz="1600" dirty="0">
+              <a:solidFill>
+                <a:schemeClr val="bg1"/>
+              </a:solidFill>
+            </a:endParaRPr>
+          </a:p>
+        </p:txBody>
+      </p:sp>
+      <p:sp>
+        <p:nvSpPr>
+          <p:cNvPr id="44" name="Rectangle 62"/>
+          <p:cNvSpPr/>
+          <p:nvPr/>
+        </p:nvSpPr>
+        <p:spPr>
+          <a:xfrm flipH="1">
+            <a:off x="9918237" y="2088446"/>
+            <a:ext cx="587208" cy="330940"/>
+          </a:xfrm>
+          <a:prstGeom prst="roundRect">
+            <a:avLst/>
+          </a:prstGeom>
+          <a:ln/>
+        </p:spPr>
+        <p:style>
+          <a:lnRef idx="2">
+            <a:schemeClr val="accent5">
+              <a:shade val="50000"/>
+            </a:schemeClr>
+          </a:lnRef>
+          <a:fillRef idx="1">
+            <a:schemeClr val="accent5"/>
+          </a:fillRef>
+          <a:effectRef idx="0">
+            <a:schemeClr val="accent5"/>
+          </a:effectRef>
+          <a:fontRef idx="minor">
+            <a:schemeClr val="lt1"/>
+          </a:fontRef>
+        </p:style>
+        <p:txBody>
+          <a:bodyPr rtlCol="0" anchor="ctr"/>
+          <a:lstStyle/>
+          <a:p>
+            <a:r>
+              <a:rPr lang="en-US" sz="1600" dirty="0" smtClean="0">
+                <a:solidFill>
+                  <a:schemeClr val="bg1"/>
+                </a:solidFill>
+              </a:rPr>
+              <a:t>List</a:t>
+            </a:r>
+            <a:endParaRPr lang="en-SG" sz="1600" dirty="0">
+              <a:solidFill>
+                <a:schemeClr val="bg1"/>
+              </a:solidFill>
+            </a:endParaRPr>
+          </a:p>
+        </p:txBody>
+      </p:sp>
+      <p:cxnSp>
+        <p:nvCxnSpPr>
+          <p:cNvPr id="45" name="Straight Arrow Connector 44"/>
+          <p:cNvCxnSpPr/>
+          <p:nvPr/>
+        </p:nvCxnSpPr>
+        <p:spPr>
+          <a:xfrm>
+            <a:off x="2623773" y="1308314"/>
+            <a:ext cx="6619287" cy="787634"/>
+          </a:xfrm>
+          <a:prstGeom prst="straightConnector1">
+            <a:avLst/>
+          </a:prstGeom>
+          <a:ln w="28575">
+            <a:solidFill>
+              <a:schemeClr val="tx2">
+                <a:lumMod val="60000"/>
+                <a:lumOff val="40000"/>
+              </a:schemeClr>
+            </a:solidFill>
+            <a:tailEnd type="arrow"/>
+          </a:ln>
+        </p:spPr>
+        <p:style>
+          <a:lnRef idx="1">
+            <a:schemeClr val="accent1"/>
+          </a:lnRef>
+          <a:fillRef idx="0">
+            <a:schemeClr val="accent1"/>
+          </a:fillRef>
+          <a:effectRef idx="0">
+            <a:schemeClr val="accent1"/>
+          </a:effectRef>
+          <a:fontRef idx="minor">
+            <a:schemeClr val="tx1"/>
+          </a:fontRef>
+        </p:style>
+      </p:cxnSp>
+      <p:cxnSp>
+        <p:nvCxnSpPr>
+          <p:cNvPr id="60" name="Straight Arrow Connector 59"/>
+          <p:cNvCxnSpPr/>
+          <p:nvPr/>
+        </p:nvCxnSpPr>
+        <p:spPr>
+          <a:xfrm>
+            <a:off x="2541523" y="1316525"/>
+            <a:ext cx="5897070" cy="768746"/>
+          </a:xfrm>
+          <a:prstGeom prst="straightConnector1">
+            <a:avLst/>
+          </a:prstGeom>
+          <a:ln w="28575">
+            <a:solidFill>
+              <a:schemeClr val="tx2">
+                <a:lumMod val="60000"/>
+                <a:lumOff val="40000"/>
+              </a:schemeClr>
+            </a:solidFill>
+            <a:tailEnd type="arrow"/>
+          </a:ln>
+        </p:spPr>
+        <p:style>
+          <a:lnRef idx="1">
+            <a:schemeClr val="accent1"/>
+          </a:lnRef>
+          <a:fillRef idx="0">
+            <a:schemeClr val="accent1"/>
+          </a:fillRef>
+          <a:effectRef idx="0">
+            <a:schemeClr val="accent1"/>
+          </a:effectRef>
+          <a:fontRef idx="minor">
+            <a:schemeClr val="tx1"/>
+          </a:fontRef>
+        </p:style>
+      </p:cxnSp>
+      <p:cxnSp>
+        <p:nvCxnSpPr>
+          <p:cNvPr id="61" name="Straight Arrow Connector 60"/>
+          <p:cNvCxnSpPr/>
+          <p:nvPr/>
+        </p:nvCxnSpPr>
+        <p:spPr>
+          <a:xfrm>
+            <a:off x="2601669" y="1283299"/>
+            <a:ext cx="7549904" cy="785870"/>
+          </a:xfrm>
+          <a:prstGeom prst="straightConnector1">
+            <a:avLst/>
+          </a:prstGeom>
+          <a:ln w="28575">
+            <a:solidFill>
+              <a:schemeClr val="tx2">
+                <a:lumMod val="60000"/>
+                <a:lumOff val="40000"/>
+              </a:schemeClr>
+            </a:solidFill>
+            <a:tailEnd type="arrow"/>
+          </a:ln>
+        </p:spPr>
+        <p:style>
+          <a:lnRef idx="1">
+            <a:schemeClr val="accent1"/>
+          </a:lnRef>
+          <a:fillRef idx="0">
+            <a:schemeClr val="accent1"/>
+          </a:fillRef>
+          <a:effectRef idx="0">
+            <a:schemeClr val="accent1"/>
+          </a:effectRef>
+          <a:fontRef idx="minor">
+            <a:schemeClr val="tx1"/>
+          </a:fontRef>
+        </p:style>
+      </p:cxnSp>
+      <p:cxnSp>
+        <p:nvCxnSpPr>
+          <p:cNvPr id="62" name="Elbow Connector 61"/>
+          <p:cNvCxnSpPr>
+            <a:stCxn id="43" idx="2"/>
+          </p:cNvCxnSpPr>
+          <p:nvPr/>
+        </p:nvCxnSpPr>
+        <p:spPr>
+          <a:xfrm rot="5400000">
+            <a:off x="5007454" y="2399137"/>
+            <a:ext cx="3448015" cy="3488512"/>
+          </a:xfrm>
+          <a:prstGeom prst="bentConnector2">
+            <a:avLst/>
+          </a:prstGeom>
+          <a:ln>
+            <a:tailEnd type="triangle"/>
+          </a:ln>
+        </p:spPr>
+        <p:style>
+          <a:lnRef idx="2">
+            <a:schemeClr val="accent1"/>
+          </a:lnRef>
+          <a:fillRef idx="0">
+            <a:schemeClr val="accent1"/>
+          </a:fillRef>
+          <a:effectRef idx="1">
+            <a:schemeClr val="accent1"/>
+          </a:effectRef>
+          <a:fontRef idx="minor">
+            <a:schemeClr val="tx1"/>
+          </a:fontRef>
+        </p:style>
+      </p:cxnSp>
+      <p:cxnSp>
+        <p:nvCxnSpPr>
+          <p:cNvPr id="67" name="Elbow Connector 66"/>
+          <p:cNvCxnSpPr/>
+          <p:nvPr/>
+        </p:nvCxnSpPr>
+        <p:spPr>
+          <a:xfrm rot="10800000" flipV="1">
+            <a:off x="4987205" y="2422560"/>
+            <a:ext cx="4337777" cy="3477363"/>
+          </a:xfrm>
+          <a:prstGeom prst="bentConnector3">
+            <a:avLst>
+              <a:gd name="adj1" fmla="val -441"/>
+            </a:avLst>
+          </a:prstGeom>
+          <a:ln>
+            <a:tailEnd type="triangle"/>
+          </a:ln>
+        </p:spPr>
+        <p:style>
+          <a:lnRef idx="2">
+            <a:schemeClr val="accent1"/>
+          </a:lnRef>
+          <a:fillRef idx="0">
+            <a:schemeClr val="accent1"/>
+          </a:fillRef>
+          <a:effectRef idx="1">
+            <a:schemeClr val="accent1"/>
+          </a:effectRef>
+          <a:fontRef idx="minor">
+            <a:schemeClr val="tx1"/>
+          </a:fontRef>
+        </p:style>
+      </p:cxnSp>
+      <p:cxnSp>
+        <p:nvCxnSpPr>
+          <p:cNvPr id="70" name="Elbow Connector 69"/>
+          <p:cNvCxnSpPr/>
+          <p:nvPr/>
+        </p:nvCxnSpPr>
+        <p:spPr>
+          <a:xfrm rot="10800000" flipV="1">
+            <a:off x="5013863" y="2418603"/>
+            <a:ext cx="5227744" cy="3481320"/>
+          </a:xfrm>
+          <a:prstGeom prst="bentConnector3">
+            <a:avLst>
+              <a:gd name="adj1" fmla="val 181"/>
+            </a:avLst>
+          </a:prstGeom>
+          <a:ln>
+            <a:tailEnd type="triangle"/>
+          </a:ln>
+        </p:spPr>
+        <p:style>
+          <a:lnRef idx="2">
+            <a:schemeClr val="accent1"/>
+          </a:lnRef>
+          <a:fillRef idx="0">
+            <a:schemeClr val="accent1"/>
+          </a:fillRef>
+          <a:effectRef idx="1">
+            <a:schemeClr val="accent1"/>
+          </a:effectRef>
+          <a:fontRef idx="minor">
+            <a:schemeClr val="tx1"/>
+          </a:fontRef>
+        </p:style>
+      </p:cxnSp>
     </p:spTree>
     <p:extLst>
       <p:ext uri="{BB962C8B-B14F-4D97-AF65-F5344CB8AC3E}">

--- a/docs/diagrams/ActivityDiagram.pptx
+++ b/docs/diagrams/ActivityDiagram.pptx
@@ -208,7 +208,7 @@
           <a:p>
             <a:fld id="{F5CC4B3F-88C1-4FFA-B1B6-F41C21DC6924}" type="datetimeFigureOut">
               <a:rPr lang="en-US" smtClean="0"/>
-              <a:t>4/7/2017</a:t>
+              <a:t>4/7/17</a:t>
             </a:fld>
             <a:endParaRPr lang="en-US"/>
           </a:p>
@@ -741,7 +741,7 @@
           <a:p>
             <a:fld id="{78C97017-6FC3-485B-9764-EAC9E56C1D49}" type="datetimeFigureOut">
               <a:rPr lang="en-US" smtClean="0"/>
-              <a:t>4/7/2017</a:t>
+              <a:t>4/7/17</a:t>
             </a:fld>
             <a:endParaRPr lang="en-US"/>
           </a:p>
@@ -911,7 +911,7 @@
           <a:p>
             <a:fld id="{78C97017-6FC3-485B-9764-EAC9E56C1D49}" type="datetimeFigureOut">
               <a:rPr lang="en-US" smtClean="0"/>
-              <a:t>4/7/2017</a:t>
+              <a:t>4/7/17</a:t>
             </a:fld>
             <a:endParaRPr lang="en-US"/>
           </a:p>
@@ -1091,7 +1091,7 @@
           <a:p>
             <a:fld id="{78C97017-6FC3-485B-9764-EAC9E56C1D49}" type="datetimeFigureOut">
               <a:rPr lang="en-US" smtClean="0"/>
-              <a:t>4/7/2017</a:t>
+              <a:t>4/7/17</a:t>
             </a:fld>
             <a:endParaRPr lang="en-US"/>
           </a:p>
@@ -1261,7 +1261,7 @@
           <a:p>
             <a:fld id="{78C97017-6FC3-485B-9764-EAC9E56C1D49}" type="datetimeFigureOut">
               <a:rPr lang="en-US" smtClean="0"/>
-              <a:t>4/7/2017</a:t>
+              <a:t>4/7/17</a:t>
             </a:fld>
             <a:endParaRPr lang="en-US"/>
           </a:p>
@@ -1507,7 +1507,7 @@
           <a:p>
             <a:fld id="{78C97017-6FC3-485B-9764-EAC9E56C1D49}" type="datetimeFigureOut">
               <a:rPr lang="en-US" smtClean="0"/>
-              <a:t>4/7/2017</a:t>
+              <a:t>4/7/17</a:t>
             </a:fld>
             <a:endParaRPr lang="en-US"/>
           </a:p>
@@ -1795,7 +1795,7 @@
           <a:p>
             <a:fld id="{78C97017-6FC3-485B-9764-EAC9E56C1D49}" type="datetimeFigureOut">
               <a:rPr lang="en-US" smtClean="0"/>
-              <a:t>4/7/2017</a:t>
+              <a:t>4/7/17</a:t>
             </a:fld>
             <a:endParaRPr lang="en-US"/>
           </a:p>
@@ -2217,7 +2217,7 @@
           <a:p>
             <a:fld id="{78C97017-6FC3-485B-9764-EAC9E56C1D49}" type="datetimeFigureOut">
               <a:rPr lang="en-US" smtClean="0"/>
-              <a:t>4/7/2017</a:t>
+              <a:t>4/7/17</a:t>
             </a:fld>
             <a:endParaRPr lang="en-US"/>
           </a:p>
@@ -2335,7 +2335,7 @@
           <a:p>
             <a:fld id="{78C97017-6FC3-485B-9764-EAC9E56C1D49}" type="datetimeFigureOut">
               <a:rPr lang="en-US" smtClean="0"/>
-              <a:t>4/7/2017</a:t>
+              <a:t>4/7/17</a:t>
             </a:fld>
             <a:endParaRPr lang="en-US"/>
           </a:p>
@@ -2430,7 +2430,7 @@
           <a:p>
             <a:fld id="{78C97017-6FC3-485B-9764-EAC9E56C1D49}" type="datetimeFigureOut">
               <a:rPr lang="en-US" smtClean="0"/>
-              <a:t>4/7/2017</a:t>
+              <a:t>4/7/17</a:t>
             </a:fld>
             <a:endParaRPr lang="en-US"/>
           </a:p>
@@ -2707,7 +2707,7 @@
           <a:p>
             <a:fld id="{78C97017-6FC3-485B-9764-EAC9E56C1D49}" type="datetimeFigureOut">
               <a:rPr lang="en-US" smtClean="0"/>
-              <a:t>4/7/2017</a:t>
+              <a:t>4/7/17</a:t>
             </a:fld>
             <a:endParaRPr lang="en-US"/>
           </a:p>
@@ -2960,7 +2960,7 @@
           <a:p>
             <a:fld id="{78C97017-6FC3-485B-9764-EAC9E56C1D49}" type="datetimeFigureOut">
               <a:rPr lang="en-US" smtClean="0"/>
-              <a:t>4/7/2017</a:t>
+              <a:t>4/7/17</a:t>
             </a:fld>
             <a:endParaRPr lang="en-US"/>
           </a:p>
@@ -3173,7 +3173,7 @@
           <a:p>
             <a:fld id="{78C97017-6FC3-485B-9764-EAC9E56C1D49}" type="datetimeFigureOut">
               <a:rPr lang="en-US" smtClean="0"/>
-              <a:t>4/7/2017</a:t>
+              <a:t>4/7/17</a:t>
             </a:fld>
             <a:endParaRPr lang="en-US"/>
           </a:p>
@@ -3548,2120 +3548,2131 @@
           <a:chExt cx="0" cy="0"/>
         </a:xfrm>
       </p:grpSpPr>
-      <p:sp>
-        <p:nvSpPr>
-          <p:cNvPr id="15" name="Rounded Rectangle 14"/>
-          <p:cNvSpPr/>
+      <p:grpSp>
+        <p:nvGrpSpPr>
+          <p:cNvPr id="17" name="Group 16"/>
+          <p:cNvGrpSpPr/>
           <p:nvPr/>
-        </p:nvSpPr>
-        <p:spPr>
+        </p:nvGrpSpPr>
+        <p:grpSpPr>
           <a:xfrm>
-            <a:off x="152400" y="304800"/>
+            <a:off x="117958" y="247014"/>
             <a:ext cx="10744200" cy="6248400"/>
+            <a:chOff x="117958" y="247014"/>
+            <a:chExt cx="10744200" cy="6248400"/>
           </a:xfrm>
-          <a:prstGeom prst="roundRect">
-            <a:avLst>
-              <a:gd name="adj" fmla="val 5768"/>
-            </a:avLst>
-          </a:prstGeom>
-          <a:solidFill>
-            <a:schemeClr val="tx2">
-              <a:lumMod val="20000"/>
-              <a:lumOff val="80000"/>
-            </a:schemeClr>
-          </a:solidFill>
-          <a:ln/>
-        </p:spPr>
-        <p:style>
-          <a:lnRef idx="1">
-            <a:schemeClr val="accent3"/>
-          </a:lnRef>
-          <a:fillRef idx="3">
-            <a:schemeClr val="accent3"/>
-          </a:fillRef>
-          <a:effectRef idx="2">
-            <a:schemeClr val="accent3"/>
-          </a:effectRef>
-          <a:fontRef idx="minor">
-            <a:schemeClr val="lt1"/>
-          </a:fontRef>
-        </p:style>
-        <p:txBody>
-          <a:bodyPr rtlCol="0" anchor="ctr"/>
-          <a:lstStyle/>
-          <a:p>
-            <a:pPr algn="ctr"/>
-            <a:endParaRPr lang="en-US"/>
-          </a:p>
-        </p:txBody>
-      </p:sp>
-      <p:cxnSp>
-        <p:nvCxnSpPr>
-          <p:cNvPr id="173" name="Elbow Connector 172"/>
-          <p:cNvCxnSpPr>
-            <a:stCxn id="88" idx="2"/>
-            <a:endCxn id="14" idx="3"/>
-          </p:cNvCxnSpPr>
-          <p:nvPr/>
-        </p:nvCxnSpPr>
-        <p:spPr>
-          <a:xfrm rot="5400000" flipH="1">
-            <a:off x="630668" y="3208411"/>
-            <a:ext cx="5029284" cy="593496"/>
-          </a:xfrm>
-          <a:prstGeom prst="bentConnector4">
-            <a:avLst>
-              <a:gd name="adj1" fmla="val -4545"/>
-              <a:gd name="adj2" fmla="val -289838"/>
-            </a:avLst>
-          </a:prstGeom>
-          <a:ln>
-            <a:tailEnd type="triangle"/>
-          </a:ln>
-        </p:spPr>
-        <p:style>
-          <a:lnRef idx="2">
-            <a:schemeClr val="accent1"/>
-          </a:lnRef>
-          <a:fillRef idx="0">
-            <a:schemeClr val="accent1"/>
-          </a:fillRef>
-          <a:effectRef idx="1">
-            <a:schemeClr val="accent1"/>
-          </a:effectRef>
-          <a:fontRef idx="minor">
-            <a:schemeClr val="tx1"/>
-          </a:fontRef>
-        </p:style>
-      </p:cxnSp>
-      <p:cxnSp>
-        <p:nvCxnSpPr>
-          <p:cNvPr id="16" name="Straight Arrow Connector 15"/>
-          <p:cNvCxnSpPr>
-            <a:stCxn id="14" idx="2"/>
-            <a:endCxn id="47" idx="0"/>
-          </p:cNvCxnSpPr>
-          <p:nvPr/>
-        </p:nvCxnSpPr>
-        <p:spPr>
-          <a:xfrm flipH="1">
-            <a:off x="597848" y="1294573"/>
-            <a:ext cx="1986066" cy="806943"/>
-          </a:xfrm>
-          <a:prstGeom prst="straightConnector1">
-            <a:avLst/>
-          </a:prstGeom>
-          <a:ln w="28575">
+        </p:grpSpPr>
+        <p:sp>
+          <p:nvSpPr>
+            <p:cNvPr id="15" name="Rounded Rectangle 14"/>
+            <p:cNvSpPr/>
+            <p:nvPr/>
+          </p:nvSpPr>
+          <p:spPr>
+            <a:xfrm>
+              <a:off x="117958" y="247014"/>
+              <a:ext cx="10744200" cy="6248400"/>
+            </a:xfrm>
+            <a:prstGeom prst="roundRect">
+              <a:avLst>
+                <a:gd name="adj" fmla="val 5768"/>
+              </a:avLst>
+            </a:prstGeom>
             <a:solidFill>
               <a:schemeClr val="tx2">
+                <a:lumMod val="20000"/>
+                <a:lumOff val="80000"/>
+              </a:schemeClr>
+            </a:solidFill>
+            <a:ln/>
+          </p:spPr>
+          <p:style>
+            <a:lnRef idx="1">
+              <a:schemeClr val="accent3"/>
+            </a:lnRef>
+            <a:fillRef idx="3">
+              <a:schemeClr val="accent3"/>
+            </a:fillRef>
+            <a:effectRef idx="2">
+              <a:schemeClr val="accent3"/>
+            </a:effectRef>
+            <a:fontRef idx="minor">
+              <a:schemeClr val="lt1"/>
+            </a:fontRef>
+          </p:style>
+          <p:txBody>
+            <a:bodyPr rtlCol="0" anchor="ctr"/>
+            <a:lstStyle/>
+            <a:p>
+              <a:pPr algn="ctr"/>
+              <a:endParaRPr lang="en-US"/>
+            </a:p>
+          </p:txBody>
+        </p:sp>
+        <p:cxnSp>
+          <p:nvCxnSpPr>
+            <p:cNvPr id="173" name="Elbow Connector 172"/>
+            <p:cNvCxnSpPr>
+              <a:stCxn id="88" idx="2"/>
+              <a:endCxn id="14" idx="3"/>
+            </p:cNvCxnSpPr>
+            <p:nvPr/>
+          </p:nvCxnSpPr>
+          <p:spPr>
+            <a:xfrm rot="5400000" flipH="1">
+              <a:off x="630668" y="3208411"/>
+              <a:ext cx="5029284" cy="593496"/>
+            </a:xfrm>
+            <a:prstGeom prst="bentConnector4">
+              <a:avLst>
+                <a:gd name="adj1" fmla="val -4545"/>
+                <a:gd name="adj2" fmla="val -1219571"/>
+              </a:avLst>
+            </a:prstGeom>
+            <a:ln>
+              <a:tailEnd type="triangle"/>
+            </a:ln>
+          </p:spPr>
+          <p:style>
+            <a:lnRef idx="2">
+              <a:schemeClr val="accent1"/>
+            </a:lnRef>
+            <a:fillRef idx="0">
+              <a:schemeClr val="accent1"/>
+            </a:fillRef>
+            <a:effectRef idx="1">
+              <a:schemeClr val="accent1"/>
+            </a:effectRef>
+            <a:fontRef idx="minor">
+              <a:schemeClr val="tx1"/>
+            </a:fontRef>
+          </p:style>
+        </p:cxnSp>
+        <p:cxnSp>
+          <p:nvCxnSpPr>
+            <p:cNvPr id="16" name="Straight Arrow Connector 15"/>
+            <p:cNvCxnSpPr>
+              <a:stCxn id="14" idx="2"/>
+              <a:endCxn id="47" idx="0"/>
+            </p:cNvCxnSpPr>
+            <p:nvPr/>
+          </p:nvCxnSpPr>
+          <p:spPr>
+            <a:xfrm flipH="1">
+              <a:off x="597848" y="1294573"/>
+              <a:ext cx="1986066" cy="806943"/>
+            </a:xfrm>
+            <a:prstGeom prst="straightConnector1">
+              <a:avLst/>
+            </a:prstGeom>
+            <a:ln w="28575">
+              <a:solidFill>
+                <a:schemeClr val="tx2">
+                  <a:lumMod val="60000"/>
+                  <a:lumOff val="40000"/>
+                </a:schemeClr>
+              </a:solidFill>
+              <a:tailEnd type="arrow"/>
+            </a:ln>
+          </p:spPr>
+          <p:style>
+            <a:lnRef idx="1">
+              <a:schemeClr val="accent1"/>
+            </a:lnRef>
+            <a:fillRef idx="0">
+              <a:schemeClr val="accent1"/>
+            </a:fillRef>
+            <a:effectRef idx="0">
+              <a:schemeClr val="accent1"/>
+            </a:effectRef>
+            <a:fontRef idx="minor">
+              <a:schemeClr val="tx1"/>
+            </a:fontRef>
+          </p:style>
+        </p:cxnSp>
+        <p:sp>
+          <p:nvSpPr>
+            <p:cNvPr id="29" name="Smiley Face 28"/>
+            <p:cNvSpPr/>
+            <p:nvPr/>
+          </p:nvSpPr>
+          <p:spPr>
+            <a:xfrm>
+              <a:off x="397868" y="800018"/>
+              <a:ext cx="381000" cy="381000"/>
+            </a:xfrm>
+            <a:prstGeom prst="smileyFace">
+              <a:avLst/>
+            </a:prstGeom>
+            <a:solidFill>
+              <a:schemeClr val="bg1"/>
+            </a:solidFill>
+            <a:ln>
+              <a:solidFill>
+                <a:schemeClr val="tx1"/>
+              </a:solidFill>
+            </a:ln>
+          </p:spPr>
+          <p:style>
+            <a:lnRef idx="2">
+              <a:schemeClr val="accent1">
+                <a:shade val="50000"/>
+              </a:schemeClr>
+            </a:lnRef>
+            <a:fillRef idx="1">
+              <a:schemeClr val="accent1"/>
+            </a:fillRef>
+            <a:effectRef idx="0">
+              <a:schemeClr val="accent1"/>
+            </a:effectRef>
+            <a:fontRef idx="minor">
+              <a:schemeClr val="lt1"/>
+            </a:fontRef>
+          </p:style>
+          <p:txBody>
+            <a:bodyPr rtlCol="0" anchor="ctr"/>
+            <a:lstStyle/>
+            <a:p>
+              <a:pPr algn="ctr"/>
+              <a:endParaRPr lang="en-US"/>
+            </a:p>
+          </p:txBody>
+        </p:sp>
+        <p:cxnSp>
+          <p:nvCxnSpPr>
+            <p:cNvPr id="32" name="Straight Arrow Connector 31"/>
+            <p:cNvCxnSpPr/>
+            <p:nvPr/>
+          </p:nvCxnSpPr>
+          <p:spPr>
+            <a:xfrm flipV="1">
+              <a:off x="841042" y="990517"/>
+              <a:ext cx="273050" cy="1"/>
+            </a:xfrm>
+            <a:prstGeom prst="straightConnector1">
+              <a:avLst/>
+            </a:prstGeom>
+            <a:ln w="28575">
+              <a:solidFill>
+                <a:schemeClr val="bg1"/>
+              </a:solidFill>
+              <a:prstDash val="sysDot"/>
+              <a:tailEnd type="arrow"/>
+            </a:ln>
+          </p:spPr>
+          <p:style>
+            <a:lnRef idx="1">
+              <a:schemeClr val="accent1"/>
+            </a:lnRef>
+            <a:fillRef idx="0">
+              <a:schemeClr val="accent1"/>
+            </a:fillRef>
+            <a:effectRef idx="0">
+              <a:schemeClr val="accent1"/>
+            </a:effectRef>
+            <a:fontRef idx="minor">
+              <a:schemeClr val="tx1"/>
+            </a:fontRef>
+          </p:style>
+        </p:cxnSp>
+        <p:sp>
+          <p:nvSpPr>
+            <p:cNvPr id="23" name="Rectangle 62"/>
+            <p:cNvSpPr/>
+            <p:nvPr/>
+          </p:nvSpPr>
+          <p:spPr>
+            <a:xfrm flipH="1">
+              <a:off x="1142897" y="2103599"/>
+              <a:ext cx="740906" cy="330940"/>
+            </a:xfrm>
+            <a:prstGeom prst="roundRect">
+              <a:avLst/>
+            </a:prstGeom>
+            <a:ln/>
+          </p:spPr>
+          <p:style>
+            <a:lnRef idx="2">
+              <a:schemeClr val="accent5">
+                <a:shade val="50000"/>
+              </a:schemeClr>
+            </a:lnRef>
+            <a:fillRef idx="1">
+              <a:schemeClr val="accent5"/>
+            </a:fillRef>
+            <a:effectRef idx="0">
+              <a:schemeClr val="accent5"/>
+            </a:effectRef>
+            <a:fontRef idx="minor">
+              <a:schemeClr val="lt1"/>
+            </a:fontRef>
+          </p:style>
+          <p:txBody>
+            <a:bodyPr rtlCol="0" anchor="ctr"/>
+            <a:lstStyle/>
+            <a:p>
+              <a:pPr algn="ctr"/>
+              <a:r>
+                <a:rPr lang="en-US" sz="1600" dirty="0" smtClean="0">
+                  <a:solidFill>
+                    <a:schemeClr val="bg1"/>
+                  </a:solidFill>
+                </a:rPr>
+                <a:t>Finish</a:t>
+              </a:r>
+              <a:endParaRPr lang="en-SG" sz="1600" dirty="0">
+                <a:solidFill>
+                  <a:schemeClr val="bg1"/>
+                </a:solidFill>
+              </a:endParaRPr>
+            </a:p>
+          </p:txBody>
+        </p:sp>
+        <p:sp>
+          <p:nvSpPr>
+            <p:cNvPr id="7" name="Rectangle 6"/>
+            <p:cNvSpPr/>
+            <p:nvPr/>
+          </p:nvSpPr>
+          <p:spPr>
+            <a:xfrm>
+              <a:off x="562044" y="529212"/>
+              <a:ext cx="1480598" cy="307777"/>
+            </a:xfrm>
+            <a:prstGeom prst="rect">
+              <a:avLst/>
+            </a:prstGeom>
+          </p:spPr>
+          <p:txBody>
+            <a:bodyPr wrap="none">
+              <a:spAutoFit/>
+            </a:bodyPr>
+            <a:lstStyle/>
+            <a:p>
+              <a:pPr algn="ctr"/>
+              <a:r>
+                <a:rPr lang="en-SG" sz="1400" dirty="0" smtClean="0"/>
+                <a:t>(start application)</a:t>
+              </a:r>
+              <a:endParaRPr lang="en-SG" sz="1400" dirty="0"/>
+            </a:p>
+          </p:txBody>
+        </p:sp>
+        <p:sp>
+          <p:nvSpPr>
+            <p:cNvPr id="11" name="Oval 10"/>
+            <p:cNvSpPr/>
+            <p:nvPr/>
+          </p:nvSpPr>
+          <p:spPr>
+            <a:xfrm>
+              <a:off x="1176267" y="838118"/>
+              <a:ext cx="304800" cy="304800"/>
+            </a:xfrm>
+            <a:prstGeom prst="ellipse">
+              <a:avLst/>
+            </a:prstGeom>
+            <a:ln>
+              <a:solidFill>
+                <a:schemeClr val="bg1"/>
+              </a:solidFill>
+            </a:ln>
+          </p:spPr>
+          <p:style>
+            <a:lnRef idx="2">
+              <a:schemeClr val="accent1">
+                <a:shade val="50000"/>
+              </a:schemeClr>
+            </a:lnRef>
+            <a:fillRef idx="1">
+              <a:schemeClr val="accent1"/>
+            </a:fillRef>
+            <a:effectRef idx="0">
+              <a:schemeClr val="accent1"/>
+            </a:effectRef>
+            <a:fontRef idx="minor">
+              <a:schemeClr val="lt1"/>
+            </a:fontRef>
+          </p:style>
+          <p:txBody>
+            <a:bodyPr rtlCol="0" anchor="ctr"/>
+            <a:lstStyle/>
+            <a:p>
+              <a:pPr algn="ctr"/>
+              <a:endParaRPr lang="en-US"/>
+            </a:p>
+          </p:txBody>
+        </p:sp>
+        <p:sp>
+          <p:nvSpPr>
+            <p:cNvPr id="14" name="Diamond 13"/>
+            <p:cNvSpPr/>
+            <p:nvPr/>
+          </p:nvSpPr>
+          <p:spPr>
+            <a:xfrm>
+              <a:off x="2319265" y="686461"/>
+              <a:ext cx="529297" cy="608112"/>
+            </a:xfrm>
+            <a:prstGeom prst="diamond">
+              <a:avLst/>
+            </a:prstGeom>
+            <a:solidFill>
+              <a:schemeClr val="accent4">
                 <a:lumMod val="60000"/>
                 <a:lumOff val="40000"/>
               </a:schemeClr>
             </a:solidFill>
-            <a:tailEnd type="arrow"/>
-          </a:ln>
-        </p:spPr>
-        <p:style>
-          <a:lnRef idx="1">
-            <a:schemeClr val="accent1"/>
-          </a:lnRef>
-          <a:fillRef idx="0">
-            <a:schemeClr val="accent1"/>
-          </a:fillRef>
-          <a:effectRef idx="0">
-            <a:schemeClr val="accent1"/>
-          </a:effectRef>
-          <a:fontRef idx="minor">
-            <a:schemeClr val="tx1"/>
-          </a:fontRef>
-        </p:style>
-      </p:cxnSp>
-      <p:sp>
-        <p:nvSpPr>
-          <p:cNvPr id="29" name="Smiley Face 28"/>
-          <p:cNvSpPr/>
-          <p:nvPr/>
-        </p:nvSpPr>
-        <p:spPr>
-          <a:xfrm>
-            <a:off x="397868" y="800018"/>
-            <a:ext cx="381000" cy="381000"/>
-          </a:xfrm>
-          <a:prstGeom prst="smileyFace">
-            <a:avLst/>
-          </a:prstGeom>
-          <a:solidFill>
-            <a:schemeClr val="bg1"/>
-          </a:solidFill>
-          <a:ln>
-            <a:solidFill>
-              <a:schemeClr val="tx1"/>
-            </a:solidFill>
-          </a:ln>
-        </p:spPr>
-        <p:style>
-          <a:lnRef idx="2">
-            <a:schemeClr val="accent1">
-              <a:shade val="50000"/>
-            </a:schemeClr>
-          </a:lnRef>
-          <a:fillRef idx="1">
-            <a:schemeClr val="accent1"/>
-          </a:fillRef>
-          <a:effectRef idx="0">
-            <a:schemeClr val="accent1"/>
-          </a:effectRef>
-          <a:fontRef idx="minor">
-            <a:schemeClr val="lt1"/>
-          </a:fontRef>
-        </p:style>
-        <p:txBody>
-          <a:bodyPr rtlCol="0" anchor="ctr"/>
-          <a:lstStyle/>
-          <a:p>
-            <a:pPr algn="ctr"/>
-            <a:endParaRPr lang="en-US"/>
-          </a:p>
-        </p:txBody>
-      </p:sp>
-      <p:cxnSp>
-        <p:nvCxnSpPr>
-          <p:cNvPr id="32" name="Straight Arrow Connector 31"/>
-          <p:cNvCxnSpPr/>
-          <p:nvPr/>
-        </p:nvCxnSpPr>
-        <p:spPr>
-          <a:xfrm flipV="1">
-            <a:off x="841042" y="990517"/>
-            <a:ext cx="273050" cy="1"/>
-          </a:xfrm>
-          <a:prstGeom prst="straightConnector1">
-            <a:avLst/>
-          </a:prstGeom>
-          <a:ln w="28575">
-            <a:solidFill>
-              <a:schemeClr val="bg1"/>
-            </a:solidFill>
-            <a:prstDash val="sysDot"/>
-            <a:tailEnd type="arrow"/>
-          </a:ln>
-        </p:spPr>
-        <p:style>
-          <a:lnRef idx="1">
-            <a:schemeClr val="accent1"/>
-          </a:lnRef>
-          <a:fillRef idx="0">
-            <a:schemeClr val="accent1"/>
-          </a:fillRef>
-          <a:effectRef idx="0">
-            <a:schemeClr val="accent1"/>
-          </a:effectRef>
-          <a:fontRef idx="minor">
-            <a:schemeClr val="tx1"/>
-          </a:fontRef>
-        </p:style>
-      </p:cxnSp>
-      <p:sp>
-        <p:nvSpPr>
-          <p:cNvPr id="23" name="Rectangle 62"/>
-          <p:cNvSpPr/>
-          <p:nvPr/>
-        </p:nvSpPr>
-        <p:spPr>
-          <a:xfrm flipH="1">
-            <a:off x="1142897" y="2103599"/>
-            <a:ext cx="740906" cy="330940"/>
-          </a:xfrm>
-          <a:prstGeom prst="roundRect">
-            <a:avLst/>
-          </a:prstGeom>
-          <a:ln/>
-        </p:spPr>
-        <p:style>
-          <a:lnRef idx="2">
-            <a:schemeClr val="accent5">
-              <a:shade val="50000"/>
-            </a:schemeClr>
-          </a:lnRef>
-          <a:fillRef idx="1">
-            <a:schemeClr val="accent5"/>
-          </a:fillRef>
-          <a:effectRef idx="0">
-            <a:schemeClr val="accent5"/>
-          </a:effectRef>
-          <a:fontRef idx="minor">
-            <a:schemeClr val="lt1"/>
-          </a:fontRef>
-        </p:style>
-        <p:txBody>
-          <a:bodyPr rtlCol="0" anchor="ctr"/>
-          <a:lstStyle/>
-          <a:p>
-            <a:pPr algn="ctr"/>
-            <a:r>
-              <a:rPr lang="en-US" sz="1600" dirty="0" smtClean="0">
+            <a:ln>
+              <a:solidFill>
+                <a:schemeClr val="accent4">
+                  <a:lumMod val="75000"/>
+                </a:schemeClr>
+              </a:solidFill>
+            </a:ln>
+          </p:spPr>
+          <p:style>
+            <a:lnRef idx="2">
+              <a:schemeClr val="accent1">
+                <a:shade val="50000"/>
+              </a:schemeClr>
+            </a:lnRef>
+            <a:fillRef idx="1">
+              <a:schemeClr val="accent1"/>
+            </a:fillRef>
+            <a:effectRef idx="0">
+              <a:schemeClr val="accent1"/>
+            </a:effectRef>
+            <a:fontRef idx="minor">
+              <a:schemeClr val="lt1"/>
+            </a:fontRef>
+          </p:style>
+          <p:txBody>
+            <a:bodyPr rtlCol="0" anchor="ctr"/>
+            <a:lstStyle/>
+            <a:p>
+              <a:pPr algn="ctr"/>
+              <a:endParaRPr lang="en-US"/>
+            </a:p>
+          </p:txBody>
+        </p:sp>
+        <p:sp>
+          <p:nvSpPr>
+            <p:cNvPr id="41" name="Rectangle 62"/>
+            <p:cNvSpPr/>
+            <p:nvPr/>
+          </p:nvSpPr>
+          <p:spPr>
+            <a:xfrm flipH="1">
+              <a:off x="3031989" y="2101516"/>
+              <a:ext cx="820138" cy="330940"/>
+            </a:xfrm>
+            <a:prstGeom prst="roundRect">
+              <a:avLst/>
+            </a:prstGeom>
+            <a:ln/>
+          </p:spPr>
+          <p:style>
+            <a:lnRef idx="2">
+              <a:schemeClr val="accent5">
+                <a:shade val="50000"/>
+              </a:schemeClr>
+            </a:lnRef>
+            <a:fillRef idx="1">
+              <a:schemeClr val="accent5"/>
+            </a:fillRef>
+            <a:effectRef idx="0">
+              <a:schemeClr val="accent5"/>
+            </a:effectRef>
+            <a:fontRef idx="minor">
+              <a:schemeClr val="lt1"/>
+            </a:fontRef>
+          </p:style>
+          <p:txBody>
+            <a:bodyPr rtlCol="0" anchor="ctr"/>
+            <a:lstStyle/>
+            <a:p>
+              <a:pPr algn="ctr"/>
+              <a:r>
+                <a:rPr lang="en-US" sz="1600" dirty="0" smtClean="0">
+                  <a:solidFill>
+                    <a:schemeClr val="bg1"/>
+                  </a:solidFill>
+                </a:rPr>
+                <a:t>Delete</a:t>
+              </a:r>
+              <a:endParaRPr lang="en-SG" sz="1600" dirty="0">
                 <a:solidFill>
                   <a:schemeClr val="bg1"/>
                 </a:solidFill>
-              </a:rPr>
-              <a:t>Finish</a:t>
-            </a:r>
-            <a:endParaRPr lang="en-SG" sz="1600" dirty="0">
-              <a:solidFill>
-                <a:schemeClr val="bg1"/>
-              </a:solidFill>
-            </a:endParaRPr>
-          </a:p>
-        </p:txBody>
-      </p:sp>
-      <p:sp>
-        <p:nvSpPr>
-          <p:cNvPr id="7" name="Rectangle 6"/>
-          <p:cNvSpPr/>
-          <p:nvPr/>
-        </p:nvSpPr>
-        <p:spPr>
-          <a:xfrm>
-            <a:off x="562044" y="529212"/>
-            <a:ext cx="1480598" cy="307777"/>
-          </a:xfrm>
-          <a:prstGeom prst="rect">
-            <a:avLst/>
-          </a:prstGeom>
-        </p:spPr>
-        <p:txBody>
-          <a:bodyPr wrap="none">
-            <a:spAutoFit/>
-          </a:bodyPr>
-          <a:lstStyle/>
-          <a:p>
-            <a:pPr algn="ctr"/>
-            <a:r>
-              <a:rPr lang="en-SG" sz="1400" dirty="0" smtClean="0"/>
-              <a:t>(start application)</a:t>
-            </a:r>
-            <a:endParaRPr lang="en-SG" sz="1400" dirty="0"/>
-          </a:p>
-        </p:txBody>
-      </p:sp>
-      <p:sp>
-        <p:nvSpPr>
-          <p:cNvPr id="11" name="Oval 10"/>
-          <p:cNvSpPr/>
-          <p:nvPr/>
-        </p:nvSpPr>
-        <p:spPr>
-          <a:xfrm>
-            <a:off x="1176267" y="838118"/>
-            <a:ext cx="304800" cy="304800"/>
-          </a:xfrm>
-          <a:prstGeom prst="ellipse">
-            <a:avLst/>
-          </a:prstGeom>
-          <a:ln>
-            <a:solidFill>
-              <a:schemeClr val="bg1"/>
-            </a:solidFill>
-          </a:ln>
-        </p:spPr>
-        <p:style>
-          <a:lnRef idx="2">
-            <a:schemeClr val="accent1">
-              <a:shade val="50000"/>
-            </a:schemeClr>
-          </a:lnRef>
-          <a:fillRef idx="1">
-            <a:schemeClr val="accent1"/>
-          </a:fillRef>
-          <a:effectRef idx="0">
-            <a:schemeClr val="accent1"/>
-          </a:effectRef>
-          <a:fontRef idx="minor">
-            <a:schemeClr val="lt1"/>
-          </a:fontRef>
-        </p:style>
-        <p:txBody>
-          <a:bodyPr rtlCol="0" anchor="ctr"/>
-          <a:lstStyle/>
-          <a:p>
-            <a:pPr algn="ctr"/>
-            <a:endParaRPr lang="en-US"/>
-          </a:p>
-        </p:txBody>
-      </p:sp>
-      <p:sp>
-        <p:nvSpPr>
-          <p:cNvPr id="14" name="Diamond 13"/>
-          <p:cNvSpPr/>
-          <p:nvPr/>
-        </p:nvSpPr>
-        <p:spPr>
-          <a:xfrm>
-            <a:off x="2319265" y="686461"/>
-            <a:ext cx="529297" cy="608112"/>
-          </a:xfrm>
-          <a:prstGeom prst="diamond">
-            <a:avLst/>
-          </a:prstGeom>
-          <a:solidFill>
-            <a:schemeClr val="accent4">
-              <a:lumMod val="60000"/>
-              <a:lumOff val="40000"/>
-            </a:schemeClr>
-          </a:solidFill>
-          <a:ln>
-            <a:solidFill>
-              <a:schemeClr val="accent4">
-                <a:lumMod val="75000"/>
+              </a:endParaRPr>
+            </a:p>
+          </p:txBody>
+        </p:sp>
+        <p:sp>
+          <p:nvSpPr>
+            <p:cNvPr id="46" name="Rectangle 62"/>
+            <p:cNvSpPr/>
+            <p:nvPr/>
+          </p:nvSpPr>
+          <p:spPr>
+            <a:xfrm flipH="1">
+              <a:off x="7134820" y="2101516"/>
+              <a:ext cx="820138" cy="330940"/>
+            </a:xfrm>
+            <a:prstGeom prst="roundRect">
+              <a:avLst/>
+            </a:prstGeom>
+            <a:ln/>
+          </p:spPr>
+          <p:style>
+            <a:lnRef idx="2">
+              <a:schemeClr val="accent5">
+                <a:shade val="50000"/>
               </a:schemeClr>
-            </a:solidFill>
-          </a:ln>
-        </p:spPr>
-        <p:style>
-          <a:lnRef idx="2">
-            <a:schemeClr val="accent1">
-              <a:shade val="50000"/>
-            </a:schemeClr>
-          </a:lnRef>
-          <a:fillRef idx="1">
-            <a:schemeClr val="accent1"/>
-          </a:fillRef>
-          <a:effectRef idx="0">
-            <a:schemeClr val="accent1"/>
-          </a:effectRef>
-          <a:fontRef idx="minor">
-            <a:schemeClr val="lt1"/>
-          </a:fontRef>
-        </p:style>
-        <p:txBody>
-          <a:bodyPr rtlCol="0" anchor="ctr"/>
-          <a:lstStyle/>
-          <a:p>
-            <a:pPr algn="ctr"/>
-            <a:endParaRPr lang="en-US"/>
-          </a:p>
-        </p:txBody>
-      </p:sp>
-      <p:sp>
-        <p:nvSpPr>
-          <p:cNvPr id="41" name="Rectangle 62"/>
-          <p:cNvSpPr/>
-          <p:nvPr/>
-        </p:nvSpPr>
-        <p:spPr>
-          <a:xfrm flipH="1">
-            <a:off x="3031989" y="2101516"/>
-            <a:ext cx="820138" cy="330940"/>
-          </a:xfrm>
-          <a:prstGeom prst="roundRect">
-            <a:avLst/>
-          </a:prstGeom>
-          <a:ln/>
-        </p:spPr>
-        <p:style>
-          <a:lnRef idx="2">
-            <a:schemeClr val="accent5">
-              <a:shade val="50000"/>
-            </a:schemeClr>
-          </a:lnRef>
-          <a:fillRef idx="1">
-            <a:schemeClr val="accent5"/>
-          </a:fillRef>
-          <a:effectRef idx="0">
-            <a:schemeClr val="accent5"/>
-          </a:effectRef>
-          <a:fontRef idx="minor">
-            <a:schemeClr val="lt1"/>
-          </a:fontRef>
-        </p:style>
-        <p:txBody>
-          <a:bodyPr rtlCol="0" anchor="ctr"/>
-          <a:lstStyle/>
-          <a:p>
-            <a:pPr algn="ctr"/>
-            <a:r>
-              <a:rPr lang="en-US" sz="1600" dirty="0" smtClean="0">
+            </a:lnRef>
+            <a:fillRef idx="1">
+              <a:schemeClr val="accent5"/>
+            </a:fillRef>
+            <a:effectRef idx="0">
+              <a:schemeClr val="accent5"/>
+            </a:effectRef>
+            <a:fontRef idx="minor">
+              <a:schemeClr val="lt1"/>
+            </a:fontRef>
+          </p:style>
+          <p:txBody>
+            <a:bodyPr rtlCol="0" anchor="ctr"/>
+            <a:lstStyle/>
+            <a:p>
+              <a:pPr algn="ctr"/>
+              <a:r>
+                <a:rPr lang="en-US" sz="1600" dirty="0" smtClean="0">
+                  <a:solidFill>
+                    <a:schemeClr val="bg1"/>
+                  </a:solidFill>
+                </a:rPr>
+                <a:t>Add</a:t>
+              </a:r>
+              <a:endParaRPr lang="en-SG" sz="1600" dirty="0">
                 <a:solidFill>
                   <a:schemeClr val="bg1"/>
                 </a:solidFill>
-              </a:rPr>
-              <a:t>Delete</a:t>
-            </a:r>
-            <a:endParaRPr lang="en-SG" sz="1600" dirty="0">
-              <a:solidFill>
-                <a:schemeClr val="bg1"/>
-              </a:solidFill>
-            </a:endParaRPr>
-          </a:p>
-        </p:txBody>
-      </p:sp>
-      <p:sp>
-        <p:nvSpPr>
-          <p:cNvPr id="46" name="Rectangle 62"/>
-          <p:cNvSpPr/>
-          <p:nvPr/>
-        </p:nvSpPr>
-        <p:spPr>
-          <a:xfrm flipH="1">
-            <a:off x="7134820" y="2101516"/>
-            <a:ext cx="820138" cy="330940"/>
-          </a:xfrm>
-          <a:prstGeom prst="roundRect">
-            <a:avLst/>
-          </a:prstGeom>
-          <a:ln/>
-        </p:spPr>
-        <p:style>
-          <a:lnRef idx="2">
-            <a:schemeClr val="accent5">
-              <a:shade val="50000"/>
-            </a:schemeClr>
-          </a:lnRef>
-          <a:fillRef idx="1">
-            <a:schemeClr val="accent5"/>
-          </a:fillRef>
-          <a:effectRef idx="0">
-            <a:schemeClr val="accent5"/>
-          </a:effectRef>
-          <a:fontRef idx="minor">
-            <a:schemeClr val="lt1"/>
-          </a:fontRef>
-        </p:style>
-        <p:txBody>
-          <a:bodyPr rtlCol="0" anchor="ctr"/>
-          <a:lstStyle/>
-          <a:p>
-            <a:pPr algn="ctr"/>
-            <a:r>
-              <a:rPr lang="en-US" sz="1600" dirty="0" smtClean="0">
+              </a:endParaRPr>
+            </a:p>
+          </p:txBody>
+        </p:sp>
+        <p:sp>
+          <p:nvSpPr>
+            <p:cNvPr id="47" name="Rectangle 62"/>
+            <p:cNvSpPr/>
+            <p:nvPr/>
+          </p:nvSpPr>
+          <p:spPr>
+            <a:xfrm flipH="1">
+              <a:off x="187779" y="2101516"/>
+              <a:ext cx="820138" cy="330940"/>
+            </a:xfrm>
+            <a:prstGeom prst="roundRect">
+              <a:avLst/>
+            </a:prstGeom>
+            <a:ln/>
+          </p:spPr>
+          <p:style>
+            <a:lnRef idx="2">
+              <a:schemeClr val="accent5">
+                <a:shade val="50000"/>
+              </a:schemeClr>
+            </a:lnRef>
+            <a:fillRef idx="1">
+              <a:schemeClr val="accent5"/>
+            </a:fillRef>
+            <a:effectRef idx="0">
+              <a:schemeClr val="accent5"/>
+            </a:effectRef>
+            <a:fontRef idx="minor">
+              <a:schemeClr val="lt1"/>
+            </a:fontRef>
+          </p:style>
+          <p:txBody>
+            <a:bodyPr rtlCol="0" anchor="ctr"/>
+            <a:lstStyle/>
+            <a:p>
+              <a:pPr algn="ctr"/>
+              <a:r>
+                <a:rPr lang="en-US" sz="1600" dirty="0" smtClean="0">
+                  <a:solidFill>
+                    <a:schemeClr val="bg1"/>
+                  </a:solidFill>
+                </a:rPr>
+                <a:t>Exit</a:t>
+              </a:r>
+              <a:endParaRPr lang="en-SG" sz="1600" dirty="0">
                 <a:solidFill>
                   <a:schemeClr val="bg1"/>
                 </a:solidFill>
-              </a:rPr>
-              <a:t>Add</a:t>
-            </a:r>
-            <a:endParaRPr lang="en-SG" sz="1600" dirty="0">
-              <a:solidFill>
-                <a:schemeClr val="bg1"/>
-              </a:solidFill>
-            </a:endParaRPr>
-          </a:p>
-        </p:txBody>
-      </p:sp>
-      <p:sp>
-        <p:nvSpPr>
-          <p:cNvPr id="47" name="Rectangle 62"/>
-          <p:cNvSpPr/>
-          <p:nvPr/>
-        </p:nvSpPr>
-        <p:spPr>
-          <a:xfrm flipH="1">
-            <a:off x="187779" y="2101516"/>
-            <a:ext cx="820138" cy="330940"/>
-          </a:xfrm>
-          <a:prstGeom prst="roundRect">
-            <a:avLst/>
-          </a:prstGeom>
-          <a:ln/>
-        </p:spPr>
-        <p:style>
-          <a:lnRef idx="2">
-            <a:schemeClr val="accent5">
-              <a:shade val="50000"/>
-            </a:schemeClr>
-          </a:lnRef>
-          <a:fillRef idx="1">
-            <a:schemeClr val="accent5"/>
-          </a:fillRef>
-          <a:effectRef idx="0">
-            <a:schemeClr val="accent5"/>
-          </a:effectRef>
-          <a:fontRef idx="minor">
-            <a:schemeClr val="lt1"/>
-          </a:fontRef>
-        </p:style>
-        <p:txBody>
-          <a:bodyPr rtlCol="0" anchor="ctr"/>
-          <a:lstStyle/>
-          <a:p>
-            <a:pPr algn="ctr"/>
-            <a:r>
-              <a:rPr lang="en-US" sz="1600" dirty="0" smtClean="0">
+              </a:endParaRPr>
+            </a:p>
+          </p:txBody>
+        </p:sp>
+        <p:sp>
+          <p:nvSpPr>
+            <p:cNvPr id="48" name="Rectangle 62"/>
+            <p:cNvSpPr/>
+            <p:nvPr/>
+          </p:nvSpPr>
+          <p:spPr>
+            <a:xfrm flipH="1">
+              <a:off x="5303774" y="4560849"/>
+              <a:ext cx="820138" cy="330940"/>
+            </a:xfrm>
+            <a:prstGeom prst="roundRect">
+              <a:avLst/>
+            </a:prstGeom>
+            <a:ln/>
+          </p:spPr>
+          <p:style>
+            <a:lnRef idx="2">
+              <a:schemeClr val="accent5">
+                <a:shade val="50000"/>
+              </a:schemeClr>
+            </a:lnRef>
+            <a:fillRef idx="1">
+              <a:schemeClr val="accent5"/>
+            </a:fillRef>
+            <a:effectRef idx="0">
+              <a:schemeClr val="accent5"/>
+            </a:effectRef>
+            <a:fontRef idx="minor">
+              <a:schemeClr val="lt1"/>
+            </a:fontRef>
+          </p:style>
+          <p:txBody>
+            <a:bodyPr rtlCol="0" anchor="ctr"/>
+            <a:lstStyle/>
+            <a:p>
+              <a:pPr algn="ctr"/>
+              <a:r>
+                <a:rPr lang="en-US" sz="1600" dirty="0" smtClean="0">
+                  <a:solidFill>
+                    <a:schemeClr val="bg1"/>
+                  </a:solidFill>
+                </a:rPr>
+                <a:t>Redo</a:t>
+              </a:r>
+              <a:endParaRPr lang="en-SG" sz="1600" dirty="0">
                 <a:solidFill>
                   <a:schemeClr val="bg1"/>
                 </a:solidFill>
-              </a:rPr>
-              <a:t>Exit</a:t>
-            </a:r>
-            <a:endParaRPr lang="en-SG" sz="1600" dirty="0">
-              <a:solidFill>
-                <a:schemeClr val="bg1"/>
-              </a:solidFill>
-            </a:endParaRPr>
-          </a:p>
-        </p:txBody>
-      </p:sp>
-      <p:sp>
-        <p:nvSpPr>
-          <p:cNvPr id="48" name="Rectangle 62"/>
-          <p:cNvSpPr/>
-          <p:nvPr/>
-        </p:nvSpPr>
-        <p:spPr>
-          <a:xfrm flipH="1">
-            <a:off x="5303774" y="4560849"/>
-            <a:ext cx="820138" cy="330940"/>
-          </a:xfrm>
-          <a:prstGeom prst="roundRect">
-            <a:avLst/>
-          </a:prstGeom>
-          <a:ln/>
-        </p:spPr>
-        <p:style>
-          <a:lnRef idx="2">
-            <a:schemeClr val="accent5">
-              <a:shade val="50000"/>
-            </a:schemeClr>
-          </a:lnRef>
-          <a:fillRef idx="1">
-            <a:schemeClr val="accent5"/>
-          </a:fillRef>
-          <a:effectRef idx="0">
-            <a:schemeClr val="accent5"/>
-          </a:effectRef>
-          <a:fontRef idx="minor">
-            <a:schemeClr val="lt1"/>
-          </a:fontRef>
-        </p:style>
-        <p:txBody>
-          <a:bodyPr rtlCol="0" anchor="ctr"/>
-          <a:lstStyle/>
-          <a:p>
-            <a:pPr algn="ctr"/>
-            <a:r>
-              <a:rPr lang="en-US" sz="1600" dirty="0" smtClean="0">
+              </a:endParaRPr>
+            </a:p>
+          </p:txBody>
+        </p:sp>
+        <p:sp>
+          <p:nvSpPr>
+            <p:cNvPr id="49" name="Rectangle 62"/>
+            <p:cNvSpPr/>
+            <p:nvPr/>
+          </p:nvSpPr>
+          <p:spPr>
+            <a:xfrm flipH="1">
+              <a:off x="5079990" y="2101516"/>
+              <a:ext cx="820138" cy="330940"/>
+            </a:xfrm>
+            <a:prstGeom prst="roundRect">
+              <a:avLst/>
+            </a:prstGeom>
+            <a:ln/>
+          </p:spPr>
+          <p:style>
+            <a:lnRef idx="2">
+              <a:schemeClr val="accent5">
+                <a:shade val="50000"/>
+              </a:schemeClr>
+            </a:lnRef>
+            <a:fillRef idx="1">
+              <a:schemeClr val="accent5"/>
+            </a:fillRef>
+            <a:effectRef idx="0">
+              <a:schemeClr val="accent5"/>
+            </a:effectRef>
+            <a:fontRef idx="minor">
+              <a:schemeClr val="lt1"/>
+            </a:fontRef>
+          </p:style>
+          <p:txBody>
+            <a:bodyPr rtlCol="0" anchor="ctr"/>
+            <a:lstStyle/>
+            <a:p>
+              <a:pPr algn="ctr"/>
+              <a:r>
+                <a:rPr lang="en-US" sz="1600" dirty="0" smtClean="0">
+                  <a:solidFill>
+                    <a:schemeClr val="bg1"/>
+                  </a:solidFill>
+                </a:rPr>
+                <a:t>Undo</a:t>
+              </a:r>
+              <a:endParaRPr lang="en-SG" sz="1600" dirty="0">
                 <a:solidFill>
                   <a:schemeClr val="bg1"/>
                 </a:solidFill>
-              </a:rPr>
-              <a:t>Redo</a:t>
-            </a:r>
-            <a:endParaRPr lang="en-SG" sz="1600" dirty="0">
-              <a:solidFill>
-                <a:schemeClr val="bg1"/>
-              </a:solidFill>
-            </a:endParaRPr>
-          </a:p>
-        </p:txBody>
-      </p:sp>
-      <p:sp>
-        <p:nvSpPr>
-          <p:cNvPr id="49" name="Rectangle 62"/>
-          <p:cNvSpPr/>
-          <p:nvPr/>
-        </p:nvSpPr>
-        <p:spPr>
-          <a:xfrm flipH="1">
-            <a:off x="5079990" y="2101516"/>
-            <a:ext cx="820138" cy="330940"/>
-          </a:xfrm>
-          <a:prstGeom prst="roundRect">
-            <a:avLst/>
-          </a:prstGeom>
-          <a:ln/>
-        </p:spPr>
-        <p:style>
-          <a:lnRef idx="2">
-            <a:schemeClr val="accent5">
-              <a:shade val="50000"/>
-            </a:schemeClr>
-          </a:lnRef>
-          <a:fillRef idx="1">
-            <a:schemeClr val="accent5"/>
-          </a:fillRef>
-          <a:effectRef idx="0">
-            <a:schemeClr val="accent5"/>
-          </a:effectRef>
-          <a:fontRef idx="minor">
-            <a:schemeClr val="lt1"/>
-          </a:fontRef>
-        </p:style>
-        <p:txBody>
-          <a:bodyPr rtlCol="0" anchor="ctr"/>
-          <a:lstStyle/>
-          <a:p>
-            <a:pPr algn="ctr"/>
-            <a:r>
-              <a:rPr lang="en-US" sz="1600" dirty="0" smtClean="0">
+              </a:endParaRPr>
+            </a:p>
+          </p:txBody>
+        </p:sp>
+        <p:sp>
+          <p:nvSpPr>
+            <p:cNvPr id="50" name="Rectangle 62"/>
+            <p:cNvSpPr/>
+            <p:nvPr/>
+          </p:nvSpPr>
+          <p:spPr>
+            <a:xfrm flipH="1">
+              <a:off x="6107405" y="2101516"/>
+              <a:ext cx="820138" cy="330940"/>
+            </a:xfrm>
+            <a:prstGeom prst="roundRect">
+              <a:avLst/>
+            </a:prstGeom>
+            <a:ln/>
+          </p:spPr>
+          <p:style>
+            <a:lnRef idx="2">
+              <a:schemeClr val="accent5">
+                <a:shade val="50000"/>
+              </a:schemeClr>
+            </a:lnRef>
+            <a:fillRef idx="1">
+              <a:schemeClr val="accent5"/>
+            </a:fillRef>
+            <a:effectRef idx="0">
+              <a:schemeClr val="accent5"/>
+            </a:effectRef>
+            <a:fontRef idx="minor">
+              <a:schemeClr val="lt1"/>
+            </a:fontRef>
+          </p:style>
+          <p:txBody>
+            <a:bodyPr rtlCol="0" anchor="ctr"/>
+            <a:lstStyle/>
+            <a:p>
+              <a:pPr algn="ctr"/>
+              <a:r>
+                <a:rPr lang="en-US" sz="1600" dirty="0" smtClean="0">
+                  <a:solidFill>
+                    <a:schemeClr val="bg1"/>
+                  </a:solidFill>
+                </a:rPr>
+                <a:t>Load</a:t>
+              </a:r>
+              <a:endParaRPr lang="en-SG" sz="1600" dirty="0">
                 <a:solidFill>
                   <a:schemeClr val="bg1"/>
                 </a:solidFill>
-              </a:rPr>
-              <a:t>Undo</a:t>
-            </a:r>
-            <a:endParaRPr lang="en-SG" sz="1600" dirty="0">
-              <a:solidFill>
-                <a:schemeClr val="bg1"/>
-              </a:solidFill>
-            </a:endParaRPr>
-          </a:p>
-        </p:txBody>
-      </p:sp>
-      <p:sp>
-        <p:nvSpPr>
-          <p:cNvPr id="50" name="Rectangle 62"/>
-          <p:cNvSpPr/>
-          <p:nvPr/>
-        </p:nvSpPr>
-        <p:spPr>
-          <a:xfrm flipH="1">
-            <a:off x="6107405" y="2101516"/>
-            <a:ext cx="820138" cy="330940"/>
-          </a:xfrm>
-          <a:prstGeom prst="roundRect">
-            <a:avLst/>
-          </a:prstGeom>
-          <a:ln/>
-        </p:spPr>
-        <p:style>
-          <a:lnRef idx="2">
-            <a:schemeClr val="accent5">
-              <a:shade val="50000"/>
-            </a:schemeClr>
-          </a:lnRef>
-          <a:fillRef idx="1">
-            <a:schemeClr val="accent5"/>
-          </a:fillRef>
-          <a:effectRef idx="0">
-            <a:schemeClr val="accent5"/>
-          </a:effectRef>
-          <a:fontRef idx="minor">
-            <a:schemeClr val="lt1"/>
-          </a:fontRef>
-        </p:style>
-        <p:txBody>
-          <a:bodyPr rtlCol="0" anchor="ctr"/>
-          <a:lstStyle/>
-          <a:p>
-            <a:pPr algn="ctr"/>
-            <a:r>
-              <a:rPr lang="en-US" sz="1600" dirty="0" smtClean="0">
+              </a:endParaRPr>
+            </a:p>
+          </p:txBody>
+        </p:sp>
+        <p:sp>
+          <p:nvSpPr>
+            <p:cNvPr id="51" name="Rectangle 62"/>
+            <p:cNvSpPr/>
+            <p:nvPr/>
+          </p:nvSpPr>
+          <p:spPr>
+            <a:xfrm flipH="1">
+              <a:off x="4030770" y="2101516"/>
+              <a:ext cx="820138" cy="330940"/>
+            </a:xfrm>
+            <a:prstGeom prst="roundRect">
+              <a:avLst/>
+            </a:prstGeom>
+            <a:ln/>
+          </p:spPr>
+          <p:style>
+            <a:lnRef idx="2">
+              <a:schemeClr val="accent5">
+                <a:shade val="50000"/>
+              </a:schemeClr>
+            </a:lnRef>
+            <a:fillRef idx="1">
+              <a:schemeClr val="accent5"/>
+            </a:fillRef>
+            <a:effectRef idx="0">
+              <a:schemeClr val="accent5"/>
+            </a:effectRef>
+            <a:fontRef idx="minor">
+              <a:schemeClr val="lt1"/>
+            </a:fontRef>
+          </p:style>
+          <p:txBody>
+            <a:bodyPr rtlCol="0" anchor="ctr"/>
+            <a:lstStyle/>
+            <a:p>
+              <a:pPr algn="ctr"/>
+              <a:r>
+                <a:rPr lang="en-US" sz="1600" dirty="0" smtClean="0">
+                  <a:solidFill>
+                    <a:schemeClr val="bg1"/>
+                  </a:solidFill>
+                </a:rPr>
+                <a:t>Clear</a:t>
+              </a:r>
+              <a:endParaRPr lang="en-SG" sz="1600" dirty="0">
                 <a:solidFill>
                   <a:schemeClr val="bg1"/>
                 </a:solidFill>
-              </a:rPr>
-              <a:t>Load</a:t>
-            </a:r>
-            <a:endParaRPr lang="en-SG" sz="1600" dirty="0">
-              <a:solidFill>
-                <a:schemeClr val="bg1"/>
-              </a:solidFill>
-            </a:endParaRPr>
-          </a:p>
-        </p:txBody>
-      </p:sp>
-      <p:sp>
-        <p:nvSpPr>
-          <p:cNvPr id="51" name="Rectangle 62"/>
-          <p:cNvSpPr/>
-          <p:nvPr/>
-        </p:nvSpPr>
-        <p:spPr>
-          <a:xfrm flipH="1">
-            <a:off x="4030770" y="2101516"/>
-            <a:ext cx="820138" cy="330940"/>
-          </a:xfrm>
-          <a:prstGeom prst="roundRect">
-            <a:avLst/>
-          </a:prstGeom>
-          <a:ln/>
-        </p:spPr>
-        <p:style>
-          <a:lnRef idx="2">
-            <a:schemeClr val="accent5">
-              <a:shade val="50000"/>
-            </a:schemeClr>
-          </a:lnRef>
-          <a:fillRef idx="1">
-            <a:schemeClr val="accent5"/>
-          </a:fillRef>
-          <a:effectRef idx="0">
-            <a:schemeClr val="accent5"/>
-          </a:effectRef>
-          <a:fontRef idx="minor">
-            <a:schemeClr val="lt1"/>
-          </a:fontRef>
-        </p:style>
-        <p:txBody>
-          <a:bodyPr rtlCol="0" anchor="ctr"/>
-          <a:lstStyle/>
-          <a:p>
-            <a:pPr algn="ctr"/>
-            <a:r>
-              <a:rPr lang="en-US" sz="1600" dirty="0" smtClean="0">
+              </a:endParaRPr>
+            </a:p>
+          </p:txBody>
+        </p:sp>
+        <p:sp>
+          <p:nvSpPr>
+            <p:cNvPr id="52" name="Rectangle 62"/>
+            <p:cNvSpPr/>
+            <p:nvPr/>
+          </p:nvSpPr>
+          <p:spPr>
+            <a:xfrm flipH="1">
+              <a:off x="2033208" y="2101516"/>
+              <a:ext cx="820138" cy="330940"/>
+            </a:xfrm>
+            <a:prstGeom prst="roundRect">
+              <a:avLst/>
+            </a:prstGeom>
+            <a:ln/>
+          </p:spPr>
+          <p:style>
+            <a:lnRef idx="2">
+              <a:schemeClr val="accent5">
+                <a:shade val="50000"/>
+              </a:schemeClr>
+            </a:lnRef>
+            <a:fillRef idx="1">
+              <a:schemeClr val="accent5"/>
+            </a:fillRef>
+            <a:effectRef idx="0">
+              <a:schemeClr val="accent5"/>
+            </a:effectRef>
+            <a:fontRef idx="minor">
+              <a:schemeClr val="lt1"/>
+            </a:fontRef>
+          </p:style>
+          <p:txBody>
+            <a:bodyPr rtlCol="0" anchor="ctr"/>
+            <a:lstStyle/>
+            <a:p>
+              <a:pPr algn="ctr"/>
+              <a:r>
+                <a:rPr lang="en-US" sz="1600" dirty="0" smtClean="0">
+                  <a:solidFill>
+                    <a:schemeClr val="bg1"/>
+                  </a:solidFill>
+                </a:rPr>
+                <a:t>Edit</a:t>
+              </a:r>
+              <a:endParaRPr lang="en-SG" sz="1600" dirty="0">
                 <a:solidFill>
                   <a:schemeClr val="bg1"/>
                 </a:solidFill>
-              </a:rPr>
-              <a:t>Clear</a:t>
-            </a:r>
-            <a:endParaRPr lang="en-SG" sz="1600" dirty="0">
+              </a:endParaRPr>
+            </a:p>
+          </p:txBody>
+        </p:sp>
+        <p:cxnSp>
+          <p:nvCxnSpPr>
+            <p:cNvPr id="53" name="Straight Arrow Connector 52"/>
+            <p:cNvCxnSpPr>
+              <a:stCxn id="14" idx="2"/>
+              <a:endCxn id="23" idx="0"/>
+            </p:cNvCxnSpPr>
+            <p:nvPr/>
+          </p:nvCxnSpPr>
+          <p:spPr>
+            <a:xfrm flipH="1">
+              <a:off x="1513350" y="1294573"/>
+              <a:ext cx="1070564" cy="809026"/>
+            </a:xfrm>
+            <a:prstGeom prst="straightConnector1">
+              <a:avLst/>
+            </a:prstGeom>
+            <a:ln w="28575">
               <a:solidFill>
-                <a:schemeClr val="bg1"/>
+                <a:schemeClr val="tx2">
+                  <a:lumMod val="60000"/>
+                  <a:lumOff val="40000"/>
+                </a:schemeClr>
               </a:solidFill>
-            </a:endParaRPr>
-          </a:p>
-        </p:txBody>
-      </p:sp>
-      <p:sp>
-        <p:nvSpPr>
-          <p:cNvPr id="52" name="Rectangle 62"/>
-          <p:cNvSpPr/>
-          <p:nvPr/>
-        </p:nvSpPr>
-        <p:spPr>
-          <a:xfrm flipH="1">
-            <a:off x="2033208" y="2101516"/>
-            <a:ext cx="820138" cy="330940"/>
-          </a:xfrm>
-          <a:prstGeom prst="roundRect">
-            <a:avLst/>
-          </a:prstGeom>
-          <a:ln/>
-        </p:spPr>
-        <p:style>
-          <a:lnRef idx="2">
-            <a:schemeClr val="accent5">
-              <a:shade val="50000"/>
-            </a:schemeClr>
-          </a:lnRef>
-          <a:fillRef idx="1">
-            <a:schemeClr val="accent5"/>
-          </a:fillRef>
-          <a:effectRef idx="0">
-            <a:schemeClr val="accent5"/>
-          </a:effectRef>
-          <a:fontRef idx="minor">
-            <a:schemeClr val="lt1"/>
-          </a:fontRef>
-        </p:style>
-        <p:txBody>
-          <a:bodyPr rtlCol="0" anchor="ctr"/>
-          <a:lstStyle/>
-          <a:p>
-            <a:pPr algn="ctr"/>
-            <a:r>
-              <a:rPr lang="en-US" sz="1600" dirty="0" smtClean="0">
-                <a:solidFill>
-                  <a:schemeClr val="bg1"/>
-                </a:solidFill>
-              </a:rPr>
-              <a:t>Edit</a:t>
-            </a:r>
-            <a:endParaRPr lang="en-SG" sz="1600" dirty="0">
+              <a:tailEnd type="arrow"/>
+            </a:ln>
+          </p:spPr>
+          <p:style>
+            <a:lnRef idx="1">
+              <a:schemeClr val="accent1"/>
+            </a:lnRef>
+            <a:fillRef idx="0">
+              <a:schemeClr val="accent1"/>
+            </a:fillRef>
+            <a:effectRef idx="0">
+              <a:schemeClr val="accent1"/>
+            </a:effectRef>
+            <a:fontRef idx="minor">
+              <a:schemeClr val="tx1"/>
+            </a:fontRef>
+          </p:style>
+        </p:cxnSp>
+        <p:cxnSp>
+          <p:nvCxnSpPr>
+            <p:cNvPr id="54" name="Straight Arrow Connector 53"/>
+            <p:cNvCxnSpPr>
+              <a:stCxn id="14" idx="2"/>
+              <a:endCxn id="52" idx="0"/>
+            </p:cNvCxnSpPr>
+            <p:nvPr/>
+          </p:nvCxnSpPr>
+          <p:spPr>
+            <a:xfrm flipH="1">
+              <a:off x="2443277" y="1294573"/>
+              <a:ext cx="140637" cy="806943"/>
+            </a:xfrm>
+            <a:prstGeom prst="straightConnector1">
+              <a:avLst/>
+            </a:prstGeom>
+            <a:ln w="28575">
               <a:solidFill>
-                <a:schemeClr val="bg1"/>
+                <a:schemeClr val="tx2">
+                  <a:lumMod val="60000"/>
+                  <a:lumOff val="40000"/>
+                </a:schemeClr>
               </a:solidFill>
-            </a:endParaRPr>
-          </a:p>
-        </p:txBody>
-      </p:sp>
-      <p:cxnSp>
-        <p:nvCxnSpPr>
-          <p:cNvPr id="53" name="Straight Arrow Connector 52"/>
-          <p:cNvCxnSpPr>
-            <a:stCxn id="14" idx="2"/>
-            <a:endCxn id="23" idx="0"/>
-          </p:cNvCxnSpPr>
-          <p:nvPr/>
-        </p:nvCxnSpPr>
-        <p:spPr>
-          <a:xfrm flipH="1">
-            <a:off x="1513350" y="1294573"/>
-            <a:ext cx="1070564" cy="809026"/>
-          </a:xfrm>
-          <a:prstGeom prst="straightConnector1">
-            <a:avLst/>
-          </a:prstGeom>
-          <a:ln w="28575">
+              <a:tailEnd type="arrow"/>
+            </a:ln>
+          </p:spPr>
+          <p:style>
+            <a:lnRef idx="1">
+              <a:schemeClr val="accent1"/>
+            </a:lnRef>
+            <a:fillRef idx="0">
+              <a:schemeClr val="accent1"/>
+            </a:fillRef>
+            <a:effectRef idx="0">
+              <a:schemeClr val="accent1"/>
+            </a:effectRef>
+            <a:fontRef idx="minor">
+              <a:schemeClr val="tx1"/>
+            </a:fontRef>
+          </p:style>
+        </p:cxnSp>
+        <p:cxnSp>
+          <p:nvCxnSpPr>
+            <p:cNvPr id="55" name="Straight Arrow Connector 54"/>
+            <p:cNvCxnSpPr>
+              <a:stCxn id="14" idx="2"/>
+              <a:endCxn id="41" idx="0"/>
+            </p:cNvCxnSpPr>
+            <p:nvPr/>
+          </p:nvCxnSpPr>
+          <p:spPr>
+            <a:xfrm>
+              <a:off x="2583914" y="1294573"/>
+              <a:ext cx="858144" cy="806943"/>
+            </a:xfrm>
+            <a:prstGeom prst="straightConnector1">
+              <a:avLst/>
+            </a:prstGeom>
+            <a:ln w="28575">
+              <a:solidFill>
+                <a:schemeClr val="tx2">
+                  <a:lumMod val="60000"/>
+                  <a:lumOff val="40000"/>
+                </a:schemeClr>
+              </a:solidFill>
+              <a:tailEnd type="arrow"/>
+            </a:ln>
+          </p:spPr>
+          <p:style>
+            <a:lnRef idx="1">
+              <a:schemeClr val="accent1"/>
+            </a:lnRef>
+            <a:fillRef idx="0">
+              <a:schemeClr val="accent1"/>
+            </a:fillRef>
+            <a:effectRef idx="0">
+              <a:schemeClr val="accent1"/>
+            </a:effectRef>
+            <a:fontRef idx="minor">
+              <a:schemeClr val="tx1"/>
+            </a:fontRef>
+          </p:style>
+        </p:cxnSp>
+        <p:cxnSp>
+          <p:nvCxnSpPr>
+            <p:cNvPr id="56" name="Straight Arrow Connector 55"/>
+            <p:cNvCxnSpPr>
+              <a:stCxn id="14" idx="2"/>
+              <a:endCxn id="51" idx="0"/>
+            </p:cNvCxnSpPr>
+            <p:nvPr/>
+          </p:nvCxnSpPr>
+          <p:spPr>
+            <a:xfrm>
+              <a:off x="2583914" y="1294573"/>
+              <a:ext cx="1856925" cy="806943"/>
+            </a:xfrm>
+            <a:prstGeom prst="straightConnector1">
+              <a:avLst/>
+            </a:prstGeom>
+            <a:ln w="28575">
+              <a:solidFill>
+                <a:schemeClr val="tx2">
+                  <a:lumMod val="60000"/>
+                  <a:lumOff val="40000"/>
+                </a:schemeClr>
+              </a:solidFill>
+              <a:tailEnd type="arrow"/>
+            </a:ln>
+          </p:spPr>
+          <p:style>
+            <a:lnRef idx="1">
+              <a:schemeClr val="accent1"/>
+            </a:lnRef>
+            <a:fillRef idx="0">
+              <a:schemeClr val="accent1"/>
+            </a:fillRef>
+            <a:effectRef idx="0">
+              <a:schemeClr val="accent1"/>
+            </a:effectRef>
+            <a:fontRef idx="minor">
+              <a:schemeClr val="tx1"/>
+            </a:fontRef>
+          </p:style>
+        </p:cxnSp>
+        <p:cxnSp>
+          <p:nvCxnSpPr>
+            <p:cNvPr id="57" name="Straight Arrow Connector 56"/>
+            <p:cNvCxnSpPr>
+              <a:stCxn id="14" idx="2"/>
+              <a:endCxn id="49" idx="0"/>
+            </p:cNvCxnSpPr>
+            <p:nvPr/>
+          </p:nvCxnSpPr>
+          <p:spPr>
+            <a:xfrm>
+              <a:off x="2583914" y="1294573"/>
+              <a:ext cx="2906145" cy="806943"/>
+            </a:xfrm>
+            <a:prstGeom prst="straightConnector1">
+              <a:avLst/>
+            </a:prstGeom>
+            <a:ln w="28575">
+              <a:solidFill>
+                <a:schemeClr val="tx2">
+                  <a:lumMod val="60000"/>
+                  <a:lumOff val="40000"/>
+                </a:schemeClr>
+              </a:solidFill>
+              <a:tailEnd type="arrow"/>
+            </a:ln>
+          </p:spPr>
+          <p:style>
+            <a:lnRef idx="1">
+              <a:schemeClr val="accent1"/>
+            </a:lnRef>
+            <a:fillRef idx="0">
+              <a:schemeClr val="accent1"/>
+            </a:fillRef>
+            <a:effectRef idx="0">
+              <a:schemeClr val="accent1"/>
+            </a:effectRef>
+            <a:fontRef idx="minor">
+              <a:schemeClr val="tx1"/>
+            </a:fontRef>
+          </p:style>
+        </p:cxnSp>
+        <p:cxnSp>
+          <p:nvCxnSpPr>
+            <p:cNvPr id="58" name="Straight Arrow Connector 57"/>
+            <p:cNvCxnSpPr>
+              <a:stCxn id="14" idx="2"/>
+              <a:endCxn id="50" idx="0"/>
+            </p:cNvCxnSpPr>
+            <p:nvPr/>
+          </p:nvCxnSpPr>
+          <p:spPr>
+            <a:xfrm>
+              <a:off x="2583914" y="1294573"/>
+              <a:ext cx="3933560" cy="806943"/>
+            </a:xfrm>
+            <a:prstGeom prst="straightConnector1">
+              <a:avLst/>
+            </a:prstGeom>
+            <a:ln w="28575">
+              <a:solidFill>
+                <a:schemeClr val="tx2">
+                  <a:lumMod val="60000"/>
+                  <a:lumOff val="40000"/>
+                </a:schemeClr>
+              </a:solidFill>
+              <a:tailEnd type="arrow"/>
+            </a:ln>
+          </p:spPr>
+          <p:style>
+            <a:lnRef idx="1">
+              <a:schemeClr val="accent1"/>
+            </a:lnRef>
+            <a:fillRef idx="0">
+              <a:schemeClr val="accent1"/>
+            </a:fillRef>
+            <a:effectRef idx="0">
+              <a:schemeClr val="accent1"/>
+            </a:effectRef>
+            <a:fontRef idx="minor">
+              <a:schemeClr val="tx1"/>
+            </a:fontRef>
+          </p:style>
+        </p:cxnSp>
+        <p:cxnSp>
+          <p:nvCxnSpPr>
+            <p:cNvPr id="59" name="Straight Arrow Connector 58"/>
+            <p:cNvCxnSpPr>
+              <a:stCxn id="14" idx="2"/>
+              <a:endCxn id="46" idx="0"/>
+            </p:cNvCxnSpPr>
+            <p:nvPr/>
+          </p:nvCxnSpPr>
+          <p:spPr>
+            <a:xfrm>
+              <a:off x="2583914" y="1294573"/>
+              <a:ext cx="4960975" cy="806943"/>
+            </a:xfrm>
+            <a:prstGeom prst="straightConnector1">
+              <a:avLst/>
+            </a:prstGeom>
+            <a:ln w="28575">
+              <a:solidFill>
+                <a:schemeClr val="tx2">
+                  <a:lumMod val="60000"/>
+                  <a:lumOff val="40000"/>
+                </a:schemeClr>
+              </a:solidFill>
+              <a:tailEnd type="arrow"/>
+            </a:ln>
+          </p:spPr>
+          <p:style>
+            <a:lnRef idx="1">
+              <a:schemeClr val="accent1"/>
+            </a:lnRef>
+            <a:fillRef idx="0">
+              <a:schemeClr val="accent1"/>
+            </a:fillRef>
+            <a:effectRef idx="0">
+              <a:schemeClr val="accent1"/>
+            </a:effectRef>
+            <a:fontRef idx="minor">
+              <a:schemeClr val="tx1"/>
+            </a:fontRef>
+          </p:style>
+        </p:cxnSp>
+        <p:cxnSp>
+          <p:nvCxnSpPr>
+            <p:cNvPr id="81" name="Straight Arrow Connector 80"/>
+            <p:cNvCxnSpPr>
+              <a:stCxn id="47" idx="2"/>
+            </p:cNvCxnSpPr>
+            <p:nvPr/>
+          </p:nvCxnSpPr>
+          <p:spPr>
+            <a:xfrm>
+              <a:off x="597848" y="2432456"/>
+              <a:ext cx="0" cy="3053944"/>
+            </a:xfrm>
+            <a:prstGeom prst="straightConnector1">
+              <a:avLst/>
+            </a:prstGeom>
+            <a:ln w="28575">
+              <a:solidFill>
+                <a:schemeClr val="tx2">
+                  <a:lumMod val="60000"/>
+                  <a:lumOff val="40000"/>
+                </a:schemeClr>
+              </a:solidFill>
+              <a:tailEnd type="arrow"/>
+            </a:ln>
+          </p:spPr>
+          <p:style>
+            <a:lnRef idx="1">
+              <a:schemeClr val="accent1"/>
+            </a:lnRef>
+            <a:fillRef idx="0">
+              <a:schemeClr val="accent1"/>
+            </a:fillRef>
+            <a:effectRef idx="0">
+              <a:schemeClr val="accent1"/>
+            </a:effectRef>
+            <a:fontRef idx="minor">
+              <a:schemeClr val="tx1"/>
+            </a:fontRef>
+          </p:style>
+        </p:cxnSp>
+        <p:cxnSp>
+          <p:nvCxnSpPr>
+            <p:cNvPr id="87" name="Elbow Connector 86"/>
+            <p:cNvCxnSpPr>
+              <a:stCxn id="23" idx="2"/>
+              <a:endCxn id="88" idx="1"/>
+            </p:cNvCxnSpPr>
+            <p:nvPr/>
+          </p:nvCxnSpPr>
+          <p:spPr>
+            <a:xfrm rot="16200000" flipH="1">
+              <a:off x="15483" y="3932405"/>
+              <a:ext cx="3432862" cy="437129"/>
+            </a:xfrm>
+            <a:prstGeom prst="bentConnector2">
+              <a:avLst/>
+            </a:prstGeom>
+            <a:ln>
+              <a:tailEnd type="triangle"/>
+            </a:ln>
+          </p:spPr>
+          <p:style>
+            <a:lnRef idx="2">
+              <a:schemeClr val="accent1"/>
+            </a:lnRef>
+            <a:fillRef idx="0">
+              <a:schemeClr val="accent1"/>
+            </a:fillRef>
+            <a:effectRef idx="1">
+              <a:schemeClr val="accent1"/>
+            </a:effectRef>
+            <a:fontRef idx="minor">
+              <a:schemeClr val="tx1"/>
+            </a:fontRef>
+          </p:style>
+        </p:cxnSp>
+        <p:sp>
+          <p:nvSpPr>
+            <p:cNvPr id="88" name="Rounded Rectangle 87"/>
+            <p:cNvSpPr/>
+            <p:nvPr/>
+          </p:nvSpPr>
+          <p:spPr>
+            <a:xfrm>
+              <a:off x="1950479" y="5715000"/>
+              <a:ext cx="2983157" cy="304801"/>
+            </a:xfrm>
+            <a:prstGeom prst="roundRect">
+              <a:avLst/>
+            </a:prstGeom>
+          </p:spPr>
+          <p:style>
+            <a:lnRef idx="2">
+              <a:schemeClr val="accent1">
+                <a:shade val="50000"/>
+              </a:schemeClr>
+            </a:lnRef>
+            <a:fillRef idx="1">
+              <a:schemeClr val="accent1"/>
+            </a:fillRef>
+            <a:effectRef idx="0">
+              <a:schemeClr val="accent1"/>
+            </a:effectRef>
+            <a:fontRef idx="minor">
+              <a:schemeClr val="lt1"/>
+            </a:fontRef>
+          </p:style>
+          <p:txBody>
+            <a:bodyPr rtlCol="0" anchor="ctr"/>
+            <a:lstStyle/>
+            <a:p>
+              <a:pPr algn="ctr"/>
+              <a:r>
+                <a:rPr lang="en-US" dirty="0" smtClean="0"/>
+                <a:t>Request handled</a:t>
+              </a:r>
+              <a:endParaRPr lang="en-US" dirty="0"/>
+            </a:p>
+          </p:txBody>
+        </p:sp>
+        <p:cxnSp>
+          <p:nvCxnSpPr>
+            <p:cNvPr id="90" name="Elbow Connector 89"/>
+            <p:cNvCxnSpPr>
+              <a:stCxn id="52" idx="2"/>
+            </p:cNvCxnSpPr>
+            <p:nvPr/>
+          </p:nvCxnSpPr>
+          <p:spPr>
+            <a:xfrm rot="5400000">
+              <a:off x="791733" y="4076158"/>
+              <a:ext cx="3295246" cy="7842"/>
+            </a:xfrm>
+            <a:prstGeom prst="bentConnector3">
+              <a:avLst>
+                <a:gd name="adj1" fmla="val 50000"/>
+              </a:avLst>
+            </a:prstGeom>
+            <a:ln>
+              <a:tailEnd type="triangle"/>
+            </a:ln>
+          </p:spPr>
+          <p:style>
+            <a:lnRef idx="2">
+              <a:schemeClr val="accent1"/>
+            </a:lnRef>
+            <a:fillRef idx="0">
+              <a:schemeClr val="accent1"/>
+            </a:fillRef>
+            <a:effectRef idx="1">
+              <a:schemeClr val="accent1"/>
+            </a:effectRef>
+            <a:fontRef idx="minor">
+              <a:schemeClr val="tx1"/>
+            </a:fontRef>
+          </p:style>
+        </p:cxnSp>
+        <p:cxnSp>
+          <p:nvCxnSpPr>
+            <p:cNvPr id="93" name="Elbow Connector 92"/>
+            <p:cNvCxnSpPr>
+              <a:stCxn id="41" idx="2"/>
+              <a:endCxn id="88" idx="0"/>
+            </p:cNvCxnSpPr>
+            <p:nvPr/>
+          </p:nvCxnSpPr>
+          <p:spPr>
+            <a:xfrm rot="5400000">
+              <a:off x="1800786" y="4073728"/>
+              <a:ext cx="3282544" cy="12700"/>
+            </a:xfrm>
+            <a:prstGeom prst="bentConnector3">
+              <a:avLst>
+                <a:gd name="adj1" fmla="val 50000"/>
+              </a:avLst>
+            </a:prstGeom>
+            <a:ln>
+              <a:tailEnd type="triangle"/>
+            </a:ln>
+          </p:spPr>
+          <p:style>
+            <a:lnRef idx="2">
+              <a:schemeClr val="accent1"/>
+            </a:lnRef>
+            <a:fillRef idx="0">
+              <a:schemeClr val="accent1"/>
+            </a:fillRef>
+            <a:effectRef idx="1">
+              <a:schemeClr val="accent1"/>
+            </a:effectRef>
+            <a:fontRef idx="minor">
+              <a:schemeClr val="tx1"/>
+            </a:fontRef>
+          </p:style>
+        </p:cxnSp>
+        <p:cxnSp>
+          <p:nvCxnSpPr>
+            <p:cNvPr id="96" name="Elbow Connector 95"/>
+            <p:cNvCxnSpPr>
+              <a:stCxn id="51" idx="2"/>
+            </p:cNvCxnSpPr>
+            <p:nvPr/>
+          </p:nvCxnSpPr>
+          <p:spPr>
+            <a:xfrm rot="5400000">
+              <a:off x="2807948" y="4063781"/>
+              <a:ext cx="3264216" cy="1566"/>
+            </a:xfrm>
+            <a:prstGeom prst="bentConnector3">
+              <a:avLst>
+                <a:gd name="adj1" fmla="val 50000"/>
+              </a:avLst>
+            </a:prstGeom>
+            <a:ln>
+              <a:tailEnd type="triangle"/>
+            </a:ln>
+          </p:spPr>
+          <p:style>
+            <a:lnRef idx="2">
+              <a:schemeClr val="accent1"/>
+            </a:lnRef>
+            <a:fillRef idx="0">
+              <a:schemeClr val="accent1"/>
+            </a:fillRef>
+            <a:effectRef idx="1">
+              <a:schemeClr val="accent1"/>
+            </a:effectRef>
+            <a:fontRef idx="minor">
+              <a:schemeClr val="tx1"/>
+            </a:fontRef>
+          </p:style>
+        </p:cxnSp>
+        <p:cxnSp>
+          <p:nvCxnSpPr>
+            <p:cNvPr id="102" name="Elbow Connector 101"/>
+            <p:cNvCxnSpPr>
+              <a:stCxn id="50" idx="2"/>
+              <a:endCxn id="88" idx="3"/>
+            </p:cNvCxnSpPr>
+            <p:nvPr/>
+          </p:nvCxnSpPr>
+          <p:spPr>
+            <a:xfrm rot="5400000">
+              <a:off x="4008083" y="3358009"/>
+              <a:ext cx="3434945" cy="1583838"/>
+            </a:xfrm>
+            <a:prstGeom prst="bentConnector2">
+              <a:avLst/>
+            </a:prstGeom>
+            <a:ln>
+              <a:tailEnd type="triangle"/>
+            </a:ln>
+          </p:spPr>
+          <p:style>
+            <a:lnRef idx="2">
+              <a:schemeClr val="accent1"/>
+            </a:lnRef>
+            <a:fillRef idx="0">
+              <a:schemeClr val="accent1"/>
+            </a:fillRef>
+            <a:effectRef idx="1">
+              <a:schemeClr val="accent1"/>
+            </a:effectRef>
+            <a:fontRef idx="minor">
+              <a:schemeClr val="tx1"/>
+            </a:fontRef>
+          </p:style>
+        </p:cxnSp>
+        <p:cxnSp>
+          <p:nvCxnSpPr>
+            <p:cNvPr id="117" name="Elbow Connector 116"/>
+            <p:cNvCxnSpPr>
+              <a:stCxn id="46" idx="2"/>
+              <a:endCxn id="88" idx="3"/>
+            </p:cNvCxnSpPr>
+            <p:nvPr/>
+          </p:nvCxnSpPr>
+          <p:spPr>
+            <a:xfrm rot="5400000">
+              <a:off x="4521791" y="2844302"/>
+              <a:ext cx="3434945" cy="2611253"/>
+            </a:xfrm>
+            <a:prstGeom prst="bentConnector2">
+              <a:avLst/>
+            </a:prstGeom>
+            <a:ln>
+              <a:tailEnd type="triangle"/>
+            </a:ln>
+          </p:spPr>
+          <p:style>
+            <a:lnRef idx="2">
+              <a:schemeClr val="accent1"/>
+            </a:lnRef>
+            <a:fillRef idx="0">
+              <a:schemeClr val="accent1"/>
+            </a:fillRef>
+            <a:effectRef idx="1">
+              <a:schemeClr val="accent1"/>
+            </a:effectRef>
+            <a:fontRef idx="minor">
+              <a:schemeClr val="tx1"/>
+            </a:fontRef>
+          </p:style>
+        </p:cxnSp>
+        <p:sp>
+          <p:nvSpPr>
+            <p:cNvPr id="120" name="Diamond 119"/>
+            <p:cNvSpPr/>
+            <p:nvPr/>
+          </p:nvSpPr>
+          <p:spPr>
+            <a:xfrm>
+              <a:off x="5519410" y="3371214"/>
+              <a:ext cx="372569" cy="428046"/>
+            </a:xfrm>
+            <a:prstGeom prst="diamond">
+              <a:avLst/>
+            </a:prstGeom>
             <a:solidFill>
-              <a:schemeClr val="tx2">
+              <a:schemeClr val="accent4">
                 <a:lumMod val="60000"/>
                 <a:lumOff val="40000"/>
               </a:schemeClr>
             </a:solidFill>
-            <a:tailEnd type="arrow"/>
-          </a:ln>
-        </p:spPr>
-        <p:style>
-          <a:lnRef idx="1">
-            <a:schemeClr val="accent1"/>
-          </a:lnRef>
-          <a:fillRef idx="0">
-            <a:schemeClr val="accent1"/>
-          </a:fillRef>
-          <a:effectRef idx="0">
-            <a:schemeClr val="accent1"/>
-          </a:effectRef>
-          <a:fontRef idx="minor">
-            <a:schemeClr val="tx1"/>
-          </a:fontRef>
-        </p:style>
-      </p:cxnSp>
-      <p:cxnSp>
-        <p:nvCxnSpPr>
-          <p:cNvPr id="54" name="Straight Arrow Connector 53"/>
-          <p:cNvCxnSpPr>
-            <a:stCxn id="14" idx="2"/>
-            <a:endCxn id="52" idx="0"/>
-          </p:cNvCxnSpPr>
-          <p:nvPr/>
-        </p:nvCxnSpPr>
-        <p:spPr>
-          <a:xfrm flipH="1">
-            <a:off x="2443277" y="1294573"/>
-            <a:ext cx="140637" cy="806943"/>
-          </a:xfrm>
-          <a:prstGeom prst="straightConnector1">
-            <a:avLst/>
-          </a:prstGeom>
-          <a:ln w="28575">
-            <a:solidFill>
-              <a:schemeClr val="tx2">
-                <a:lumMod val="60000"/>
-                <a:lumOff val="40000"/>
+            <a:ln>
+              <a:solidFill>
+                <a:schemeClr val="accent4">
+                  <a:lumMod val="75000"/>
+                </a:schemeClr>
+              </a:solidFill>
+            </a:ln>
+          </p:spPr>
+          <p:style>
+            <a:lnRef idx="2">
+              <a:schemeClr val="accent1">
+                <a:shade val="50000"/>
               </a:schemeClr>
-            </a:solidFill>
-            <a:tailEnd type="arrow"/>
-          </a:ln>
-        </p:spPr>
-        <p:style>
-          <a:lnRef idx="1">
-            <a:schemeClr val="accent1"/>
-          </a:lnRef>
-          <a:fillRef idx="0">
-            <a:schemeClr val="accent1"/>
-          </a:fillRef>
-          <a:effectRef idx="0">
-            <a:schemeClr val="accent1"/>
-          </a:effectRef>
-          <a:fontRef idx="minor">
-            <a:schemeClr val="tx1"/>
-          </a:fontRef>
-        </p:style>
-      </p:cxnSp>
-      <p:cxnSp>
-        <p:nvCxnSpPr>
-          <p:cNvPr id="55" name="Straight Arrow Connector 54"/>
-          <p:cNvCxnSpPr>
-            <a:stCxn id="14" idx="2"/>
-            <a:endCxn id="41" idx="0"/>
-          </p:cNvCxnSpPr>
-          <p:nvPr/>
-        </p:nvCxnSpPr>
-        <p:spPr>
-          <a:xfrm>
-            <a:off x="2583914" y="1294573"/>
-            <a:ext cx="858144" cy="806943"/>
-          </a:xfrm>
-          <a:prstGeom prst="straightConnector1">
-            <a:avLst/>
-          </a:prstGeom>
-          <a:ln w="28575">
-            <a:solidFill>
-              <a:schemeClr val="tx2">
-                <a:lumMod val="60000"/>
-                <a:lumOff val="40000"/>
+            </a:lnRef>
+            <a:fillRef idx="1">
+              <a:schemeClr val="accent1"/>
+            </a:fillRef>
+            <a:effectRef idx="0">
+              <a:schemeClr val="accent1"/>
+            </a:effectRef>
+            <a:fontRef idx="minor">
+              <a:schemeClr val="lt1"/>
+            </a:fontRef>
+          </p:style>
+          <p:txBody>
+            <a:bodyPr rtlCol="0" anchor="ctr"/>
+            <a:lstStyle/>
+            <a:p>
+              <a:pPr algn="ctr"/>
+              <a:endParaRPr lang="en-US"/>
+            </a:p>
+          </p:txBody>
+        </p:sp>
+        <p:cxnSp>
+          <p:nvCxnSpPr>
+            <p:cNvPr id="140" name="Straight Arrow Connector 139"/>
+            <p:cNvCxnSpPr>
+              <a:stCxn id="11" idx="6"/>
+              <a:endCxn id="14" idx="1"/>
+            </p:cNvCxnSpPr>
+            <p:nvPr/>
+          </p:nvCxnSpPr>
+          <p:spPr>
+            <a:xfrm flipV="1">
+              <a:off x="1481067" y="990517"/>
+              <a:ext cx="838198" cy="1"/>
+            </a:xfrm>
+            <a:prstGeom prst="straightConnector1">
+              <a:avLst/>
+            </a:prstGeom>
+            <a:ln w="28575">
+              <a:solidFill>
+                <a:schemeClr val="tx2">
+                  <a:lumMod val="60000"/>
+                  <a:lumOff val="40000"/>
+                </a:schemeClr>
+              </a:solidFill>
+              <a:tailEnd type="arrow"/>
+            </a:ln>
+          </p:spPr>
+          <p:style>
+            <a:lnRef idx="1">
+              <a:schemeClr val="accent1"/>
+            </a:lnRef>
+            <a:fillRef idx="0">
+              <a:schemeClr val="accent1"/>
+            </a:fillRef>
+            <a:effectRef idx="0">
+              <a:schemeClr val="accent1"/>
+            </a:effectRef>
+            <a:fontRef idx="minor">
+              <a:schemeClr val="tx1"/>
+            </a:fontRef>
+          </p:style>
+        </p:cxnSp>
+        <p:cxnSp>
+          <p:nvCxnSpPr>
+            <p:cNvPr id="150" name="Elbow Connector 149"/>
+            <p:cNvCxnSpPr>
+              <a:stCxn id="120" idx="1"/>
+            </p:cNvCxnSpPr>
+            <p:nvPr/>
+          </p:nvCxnSpPr>
+          <p:spPr>
+            <a:xfrm rot="10800000" flipV="1">
+              <a:off x="4686430" y="3585236"/>
+              <a:ext cx="832981" cy="2124195"/>
+            </a:xfrm>
+            <a:prstGeom prst="bentConnector2">
+              <a:avLst/>
+            </a:prstGeom>
+            <a:ln>
+              <a:tailEnd type="triangle"/>
+            </a:ln>
+          </p:spPr>
+          <p:style>
+            <a:lnRef idx="2">
+              <a:schemeClr val="accent1"/>
+            </a:lnRef>
+            <a:fillRef idx="0">
+              <a:schemeClr val="accent1"/>
+            </a:fillRef>
+            <a:effectRef idx="1">
+              <a:schemeClr val="accent1"/>
+            </a:effectRef>
+            <a:fontRef idx="minor">
+              <a:schemeClr val="tx1"/>
+            </a:fontRef>
+          </p:style>
+        </p:cxnSp>
+        <p:cxnSp>
+          <p:nvCxnSpPr>
+            <p:cNvPr id="156" name="Straight Arrow Connector 155"/>
+            <p:cNvCxnSpPr/>
+            <p:nvPr/>
+          </p:nvCxnSpPr>
+          <p:spPr>
+            <a:xfrm>
+              <a:off x="5705694" y="2432455"/>
+              <a:ext cx="8149" cy="938759"/>
+            </a:xfrm>
+            <a:prstGeom prst="straightConnector1">
+              <a:avLst/>
+            </a:prstGeom>
+            <a:ln>
+              <a:headEnd type="triangle"/>
+              <a:tailEnd type="triangle"/>
+            </a:ln>
+          </p:spPr>
+          <p:style>
+            <a:lnRef idx="2">
+              <a:schemeClr val="accent1"/>
+            </a:lnRef>
+            <a:fillRef idx="0">
+              <a:schemeClr val="accent1"/>
+            </a:fillRef>
+            <a:effectRef idx="1">
+              <a:schemeClr val="accent1"/>
+            </a:effectRef>
+            <a:fontRef idx="minor">
+              <a:schemeClr val="tx1"/>
+            </a:fontRef>
+          </p:style>
+        </p:cxnSp>
+        <p:cxnSp>
+          <p:nvCxnSpPr>
+            <p:cNvPr id="157" name="Straight Arrow Connector 156"/>
+            <p:cNvCxnSpPr>
+              <a:stCxn id="120" idx="2"/>
+              <a:endCxn id="48" idx="0"/>
+            </p:cNvCxnSpPr>
+            <p:nvPr/>
+          </p:nvCxnSpPr>
+          <p:spPr>
+            <a:xfrm>
+              <a:off x="5705695" y="3799260"/>
+              <a:ext cx="8148" cy="761589"/>
+            </a:xfrm>
+            <a:prstGeom prst="straightConnector1">
+              <a:avLst/>
+            </a:prstGeom>
+            <a:ln>
+              <a:headEnd type="triangle"/>
+              <a:tailEnd type="triangle"/>
+            </a:ln>
+          </p:spPr>
+          <p:style>
+            <a:lnRef idx="2">
+              <a:schemeClr val="accent1"/>
+            </a:lnRef>
+            <a:fillRef idx="0">
+              <a:schemeClr val="accent1"/>
+            </a:fillRef>
+            <a:effectRef idx="1">
+              <a:schemeClr val="accent1"/>
+            </a:effectRef>
+            <a:fontRef idx="minor">
+              <a:schemeClr val="tx1"/>
+            </a:fontRef>
+          </p:style>
+        </p:cxnSp>
+        <p:cxnSp>
+          <p:nvCxnSpPr>
+            <p:cNvPr id="161" name="Elbow Connector 160"/>
+            <p:cNvCxnSpPr>
+              <a:stCxn id="48" idx="2"/>
+            </p:cNvCxnSpPr>
+            <p:nvPr/>
+          </p:nvCxnSpPr>
+          <p:spPr>
+            <a:xfrm rot="5400000">
+              <a:off x="4890499" y="4911501"/>
+              <a:ext cx="843056" cy="803632"/>
+            </a:xfrm>
+            <a:prstGeom prst="bentConnector3">
+              <a:avLst>
+                <a:gd name="adj1" fmla="val 45013"/>
+              </a:avLst>
+            </a:prstGeom>
+            <a:ln>
+              <a:tailEnd type="triangle"/>
+            </a:ln>
+          </p:spPr>
+          <p:style>
+            <a:lnRef idx="2">
+              <a:schemeClr val="accent1"/>
+            </a:lnRef>
+            <a:fillRef idx="0">
+              <a:schemeClr val="accent1"/>
+            </a:fillRef>
+            <a:effectRef idx="1">
+              <a:schemeClr val="accent1"/>
+            </a:effectRef>
+            <a:fontRef idx="minor">
+              <a:schemeClr val="tx1"/>
+            </a:fontRef>
+          </p:style>
+        </p:cxnSp>
+        <p:sp>
+          <p:nvSpPr>
+            <p:cNvPr id="177" name="Oval 176"/>
+            <p:cNvSpPr/>
+            <p:nvPr/>
+          </p:nvSpPr>
+          <p:spPr>
+            <a:xfrm>
+              <a:off x="435968" y="5486400"/>
+              <a:ext cx="304800" cy="304800"/>
+            </a:xfrm>
+            <a:prstGeom prst="ellipse">
+              <a:avLst/>
+            </a:prstGeom>
+            <a:ln>
+              <a:solidFill>
+                <a:schemeClr val="bg1"/>
+              </a:solidFill>
+            </a:ln>
+          </p:spPr>
+          <p:style>
+            <a:lnRef idx="2">
+              <a:schemeClr val="accent1">
+                <a:shade val="50000"/>
               </a:schemeClr>
-            </a:solidFill>
-            <a:tailEnd type="arrow"/>
-          </a:ln>
-        </p:spPr>
-        <p:style>
-          <a:lnRef idx="1">
-            <a:schemeClr val="accent1"/>
-          </a:lnRef>
-          <a:fillRef idx="0">
-            <a:schemeClr val="accent1"/>
-          </a:fillRef>
-          <a:effectRef idx="0">
-            <a:schemeClr val="accent1"/>
-          </a:effectRef>
-          <a:fontRef idx="minor">
-            <a:schemeClr val="tx1"/>
-          </a:fontRef>
-        </p:style>
-      </p:cxnSp>
-      <p:cxnSp>
-        <p:nvCxnSpPr>
-          <p:cNvPr id="56" name="Straight Arrow Connector 55"/>
-          <p:cNvCxnSpPr>
-            <a:stCxn id="14" idx="2"/>
-            <a:endCxn id="51" idx="0"/>
-          </p:cNvCxnSpPr>
-          <p:nvPr/>
-        </p:nvCxnSpPr>
-        <p:spPr>
-          <a:xfrm>
-            <a:off x="2583914" y="1294573"/>
-            <a:ext cx="1856925" cy="806943"/>
-          </a:xfrm>
-          <a:prstGeom prst="straightConnector1">
-            <a:avLst/>
-          </a:prstGeom>
-          <a:ln w="28575">
-            <a:solidFill>
-              <a:schemeClr val="tx2">
-                <a:lumMod val="60000"/>
-                <a:lumOff val="40000"/>
+            </a:lnRef>
+            <a:fillRef idx="1">
+              <a:schemeClr val="accent1"/>
+            </a:fillRef>
+            <a:effectRef idx="0">
+              <a:schemeClr val="accent1"/>
+            </a:effectRef>
+            <a:fontRef idx="minor">
+              <a:schemeClr val="lt1"/>
+            </a:fontRef>
+          </p:style>
+          <p:txBody>
+            <a:bodyPr rtlCol="0" anchor="ctr"/>
+            <a:lstStyle/>
+            <a:p>
+              <a:pPr algn="ctr"/>
+              <a:endParaRPr lang="en-US"/>
+            </a:p>
+          </p:txBody>
+        </p:sp>
+        <p:sp>
+          <p:nvSpPr>
+            <p:cNvPr id="178" name="Rectangle 177"/>
+            <p:cNvSpPr/>
+            <p:nvPr/>
+          </p:nvSpPr>
+          <p:spPr>
+            <a:xfrm>
+              <a:off x="152400" y="5817339"/>
+              <a:ext cx="1412239" cy="307777"/>
+            </a:xfrm>
+            <a:prstGeom prst="rect">
+              <a:avLst/>
+            </a:prstGeom>
+          </p:spPr>
+          <p:txBody>
+            <a:bodyPr wrap="square">
+              <a:spAutoFit/>
+            </a:bodyPr>
+            <a:lstStyle/>
+            <a:p>
+              <a:pPr algn="ctr"/>
+              <a:r>
+                <a:rPr lang="en-SG" sz="1400" dirty="0" smtClean="0"/>
+                <a:t>(end application)</a:t>
+              </a:r>
+              <a:endParaRPr lang="en-SG" sz="1400" dirty="0"/>
+            </a:p>
+          </p:txBody>
+        </p:sp>
+        <p:sp>
+          <p:nvSpPr>
+            <p:cNvPr id="42" name="Rectangle 62"/>
+            <p:cNvSpPr/>
+            <p:nvPr/>
+          </p:nvSpPr>
+          <p:spPr>
+            <a:xfrm flipH="1">
+              <a:off x="8996476" y="2088446"/>
+              <a:ext cx="633794" cy="330940"/>
+            </a:xfrm>
+            <a:prstGeom prst="roundRect">
+              <a:avLst/>
+            </a:prstGeom>
+            <a:ln/>
+          </p:spPr>
+          <p:style>
+            <a:lnRef idx="2">
+              <a:schemeClr val="accent5">
+                <a:shade val="50000"/>
               </a:schemeClr>
-            </a:solidFill>
-            <a:tailEnd type="arrow"/>
-          </a:ln>
-        </p:spPr>
-        <p:style>
-          <a:lnRef idx="1">
-            <a:schemeClr val="accent1"/>
-          </a:lnRef>
-          <a:fillRef idx="0">
-            <a:schemeClr val="accent1"/>
-          </a:fillRef>
-          <a:effectRef idx="0">
-            <a:schemeClr val="accent1"/>
-          </a:effectRef>
-          <a:fontRef idx="minor">
-            <a:schemeClr val="tx1"/>
-          </a:fontRef>
-        </p:style>
-      </p:cxnSp>
-      <p:cxnSp>
-        <p:nvCxnSpPr>
-          <p:cNvPr id="57" name="Straight Arrow Connector 56"/>
-          <p:cNvCxnSpPr>
-            <a:stCxn id="14" idx="2"/>
-            <a:endCxn id="49" idx="0"/>
-          </p:cNvCxnSpPr>
-          <p:nvPr/>
-        </p:nvCxnSpPr>
-        <p:spPr>
-          <a:xfrm>
-            <a:off x="2583914" y="1294573"/>
-            <a:ext cx="2906145" cy="806943"/>
-          </a:xfrm>
-          <a:prstGeom prst="straightConnector1">
-            <a:avLst/>
-          </a:prstGeom>
-          <a:ln w="28575">
-            <a:solidFill>
-              <a:schemeClr val="tx2">
-                <a:lumMod val="60000"/>
-                <a:lumOff val="40000"/>
-              </a:schemeClr>
-            </a:solidFill>
-            <a:tailEnd type="arrow"/>
-          </a:ln>
-        </p:spPr>
-        <p:style>
-          <a:lnRef idx="1">
-            <a:schemeClr val="accent1"/>
-          </a:lnRef>
-          <a:fillRef idx="0">
-            <a:schemeClr val="accent1"/>
-          </a:fillRef>
-          <a:effectRef idx="0">
-            <a:schemeClr val="accent1"/>
-          </a:effectRef>
-          <a:fontRef idx="minor">
-            <a:schemeClr val="tx1"/>
-          </a:fontRef>
-        </p:style>
-      </p:cxnSp>
-      <p:cxnSp>
-        <p:nvCxnSpPr>
-          <p:cNvPr id="58" name="Straight Arrow Connector 57"/>
-          <p:cNvCxnSpPr>
-            <a:stCxn id="14" idx="2"/>
-            <a:endCxn id="50" idx="0"/>
-          </p:cNvCxnSpPr>
-          <p:nvPr/>
-        </p:nvCxnSpPr>
-        <p:spPr>
-          <a:xfrm>
-            <a:off x="2583914" y="1294573"/>
-            <a:ext cx="3933560" cy="806943"/>
-          </a:xfrm>
-          <a:prstGeom prst="straightConnector1">
-            <a:avLst/>
-          </a:prstGeom>
-          <a:ln w="28575">
-            <a:solidFill>
-              <a:schemeClr val="tx2">
-                <a:lumMod val="60000"/>
-                <a:lumOff val="40000"/>
-              </a:schemeClr>
-            </a:solidFill>
-            <a:tailEnd type="arrow"/>
-          </a:ln>
-        </p:spPr>
-        <p:style>
-          <a:lnRef idx="1">
-            <a:schemeClr val="accent1"/>
-          </a:lnRef>
-          <a:fillRef idx="0">
-            <a:schemeClr val="accent1"/>
-          </a:fillRef>
-          <a:effectRef idx="0">
-            <a:schemeClr val="accent1"/>
-          </a:effectRef>
-          <a:fontRef idx="minor">
-            <a:schemeClr val="tx1"/>
-          </a:fontRef>
-        </p:style>
-      </p:cxnSp>
-      <p:cxnSp>
-        <p:nvCxnSpPr>
-          <p:cNvPr id="59" name="Straight Arrow Connector 58"/>
-          <p:cNvCxnSpPr>
-            <a:stCxn id="14" idx="2"/>
-            <a:endCxn id="46" idx="0"/>
-          </p:cNvCxnSpPr>
-          <p:nvPr/>
-        </p:nvCxnSpPr>
-        <p:spPr>
-          <a:xfrm>
-            <a:off x="2583914" y="1294573"/>
-            <a:ext cx="4960975" cy="806943"/>
-          </a:xfrm>
-          <a:prstGeom prst="straightConnector1">
-            <a:avLst/>
-          </a:prstGeom>
-          <a:ln w="28575">
-            <a:solidFill>
-              <a:schemeClr val="tx2">
-                <a:lumMod val="60000"/>
-                <a:lumOff val="40000"/>
-              </a:schemeClr>
-            </a:solidFill>
-            <a:tailEnd type="arrow"/>
-          </a:ln>
-        </p:spPr>
-        <p:style>
-          <a:lnRef idx="1">
-            <a:schemeClr val="accent1"/>
-          </a:lnRef>
-          <a:fillRef idx="0">
-            <a:schemeClr val="accent1"/>
-          </a:fillRef>
-          <a:effectRef idx="0">
-            <a:schemeClr val="accent1"/>
-          </a:effectRef>
-          <a:fontRef idx="minor">
-            <a:schemeClr val="tx1"/>
-          </a:fontRef>
-        </p:style>
-      </p:cxnSp>
-      <p:cxnSp>
-        <p:nvCxnSpPr>
-          <p:cNvPr id="81" name="Straight Arrow Connector 80"/>
-          <p:cNvCxnSpPr>
-            <a:stCxn id="47" idx="2"/>
-          </p:cNvCxnSpPr>
-          <p:nvPr/>
-        </p:nvCxnSpPr>
-        <p:spPr>
-          <a:xfrm>
-            <a:off x="597848" y="2432456"/>
-            <a:ext cx="0" cy="3053944"/>
-          </a:xfrm>
-          <a:prstGeom prst="straightConnector1">
-            <a:avLst/>
-          </a:prstGeom>
-          <a:ln w="28575">
-            <a:solidFill>
-              <a:schemeClr val="tx2">
-                <a:lumMod val="60000"/>
-                <a:lumOff val="40000"/>
-              </a:schemeClr>
-            </a:solidFill>
-            <a:tailEnd type="arrow"/>
-          </a:ln>
-        </p:spPr>
-        <p:style>
-          <a:lnRef idx="1">
-            <a:schemeClr val="accent1"/>
-          </a:lnRef>
-          <a:fillRef idx="0">
-            <a:schemeClr val="accent1"/>
-          </a:fillRef>
-          <a:effectRef idx="0">
-            <a:schemeClr val="accent1"/>
-          </a:effectRef>
-          <a:fontRef idx="minor">
-            <a:schemeClr val="tx1"/>
-          </a:fontRef>
-        </p:style>
-      </p:cxnSp>
-      <p:cxnSp>
-        <p:nvCxnSpPr>
-          <p:cNvPr id="87" name="Elbow Connector 86"/>
-          <p:cNvCxnSpPr>
-            <a:stCxn id="23" idx="2"/>
-            <a:endCxn id="88" idx="1"/>
-          </p:cNvCxnSpPr>
-          <p:nvPr/>
-        </p:nvCxnSpPr>
-        <p:spPr>
-          <a:xfrm rot="16200000" flipH="1">
-            <a:off x="15483" y="3932405"/>
-            <a:ext cx="3432862" cy="437129"/>
-          </a:xfrm>
-          <a:prstGeom prst="bentConnector2">
-            <a:avLst/>
-          </a:prstGeom>
-          <a:ln>
-            <a:tailEnd type="triangle"/>
-          </a:ln>
-        </p:spPr>
-        <p:style>
-          <a:lnRef idx="2">
-            <a:schemeClr val="accent1"/>
-          </a:lnRef>
-          <a:fillRef idx="0">
-            <a:schemeClr val="accent1"/>
-          </a:fillRef>
-          <a:effectRef idx="1">
-            <a:schemeClr val="accent1"/>
-          </a:effectRef>
-          <a:fontRef idx="minor">
-            <a:schemeClr val="tx1"/>
-          </a:fontRef>
-        </p:style>
-      </p:cxnSp>
-      <p:sp>
-        <p:nvSpPr>
-          <p:cNvPr id="88" name="Rounded Rectangle 87"/>
-          <p:cNvSpPr/>
-          <p:nvPr/>
-        </p:nvSpPr>
-        <p:spPr>
-          <a:xfrm>
-            <a:off x="1950479" y="5715000"/>
-            <a:ext cx="2983157" cy="304801"/>
-          </a:xfrm>
-          <a:prstGeom prst="roundRect">
-            <a:avLst/>
-          </a:prstGeom>
-        </p:spPr>
-        <p:style>
-          <a:lnRef idx="2">
-            <a:schemeClr val="accent1">
-              <a:shade val="50000"/>
-            </a:schemeClr>
-          </a:lnRef>
-          <a:fillRef idx="1">
-            <a:schemeClr val="accent1"/>
-          </a:fillRef>
-          <a:effectRef idx="0">
-            <a:schemeClr val="accent1"/>
-          </a:effectRef>
-          <a:fontRef idx="minor">
-            <a:schemeClr val="lt1"/>
-          </a:fontRef>
-        </p:style>
-        <p:txBody>
-          <a:bodyPr rtlCol="0" anchor="ctr"/>
-          <a:lstStyle/>
-          <a:p>
-            <a:pPr algn="ctr"/>
-            <a:r>
-              <a:rPr lang="en-US" dirty="0" smtClean="0"/>
-              <a:t>Request handled</a:t>
-            </a:r>
-            <a:endParaRPr lang="en-US" dirty="0"/>
-          </a:p>
-        </p:txBody>
-      </p:sp>
-      <p:cxnSp>
-        <p:nvCxnSpPr>
-          <p:cNvPr id="90" name="Elbow Connector 89"/>
-          <p:cNvCxnSpPr>
-            <a:stCxn id="52" idx="2"/>
-            <a:endCxn id="88" idx="0"/>
-          </p:cNvCxnSpPr>
-          <p:nvPr/>
-        </p:nvCxnSpPr>
-        <p:spPr>
-          <a:xfrm rot="16200000" flipH="1">
-            <a:off x="1301395" y="3574337"/>
-            <a:ext cx="3282544" cy="998781"/>
-          </a:xfrm>
-          <a:prstGeom prst="bentConnector3">
-            <a:avLst>
-              <a:gd name="adj1" fmla="val 50000"/>
-            </a:avLst>
-          </a:prstGeom>
-          <a:ln>
-            <a:tailEnd type="triangle"/>
-          </a:ln>
-        </p:spPr>
-        <p:style>
-          <a:lnRef idx="2">
-            <a:schemeClr val="accent1"/>
-          </a:lnRef>
-          <a:fillRef idx="0">
-            <a:schemeClr val="accent1"/>
-          </a:fillRef>
-          <a:effectRef idx="1">
-            <a:schemeClr val="accent1"/>
-          </a:effectRef>
-          <a:fontRef idx="minor">
-            <a:schemeClr val="tx1"/>
-          </a:fontRef>
-        </p:style>
-      </p:cxnSp>
-      <p:cxnSp>
-        <p:nvCxnSpPr>
-          <p:cNvPr id="93" name="Elbow Connector 92"/>
-          <p:cNvCxnSpPr>
-            <a:stCxn id="41" idx="2"/>
-            <a:endCxn id="88" idx="0"/>
-          </p:cNvCxnSpPr>
-          <p:nvPr/>
-        </p:nvCxnSpPr>
-        <p:spPr>
-          <a:xfrm rot="5400000">
-            <a:off x="1800786" y="4073728"/>
-            <a:ext cx="3282544" cy="12700"/>
-          </a:xfrm>
-          <a:prstGeom prst="bentConnector3">
-            <a:avLst>
-              <a:gd name="adj1" fmla="val 50000"/>
-            </a:avLst>
-          </a:prstGeom>
-          <a:ln>
-            <a:tailEnd type="triangle"/>
-          </a:ln>
-        </p:spPr>
-        <p:style>
-          <a:lnRef idx="2">
-            <a:schemeClr val="accent1"/>
-          </a:lnRef>
-          <a:fillRef idx="0">
-            <a:schemeClr val="accent1"/>
-          </a:fillRef>
-          <a:effectRef idx="1">
-            <a:schemeClr val="accent1"/>
-          </a:effectRef>
-          <a:fontRef idx="minor">
-            <a:schemeClr val="tx1"/>
-          </a:fontRef>
-        </p:style>
-      </p:cxnSp>
-      <p:cxnSp>
-        <p:nvCxnSpPr>
-          <p:cNvPr id="96" name="Elbow Connector 95"/>
-          <p:cNvCxnSpPr>
-            <a:stCxn id="51" idx="2"/>
-            <a:endCxn id="88" idx="0"/>
-          </p:cNvCxnSpPr>
-          <p:nvPr/>
-        </p:nvCxnSpPr>
-        <p:spPr>
-          <a:xfrm rot="5400000">
-            <a:off x="2300177" y="3574338"/>
-            <a:ext cx="3282544" cy="998781"/>
-          </a:xfrm>
-          <a:prstGeom prst="bentConnector3">
-            <a:avLst>
-              <a:gd name="adj1" fmla="val 50000"/>
-            </a:avLst>
-          </a:prstGeom>
-          <a:ln>
-            <a:tailEnd type="triangle"/>
-          </a:ln>
-        </p:spPr>
-        <p:style>
-          <a:lnRef idx="2">
-            <a:schemeClr val="accent1"/>
-          </a:lnRef>
-          <a:fillRef idx="0">
-            <a:schemeClr val="accent1"/>
-          </a:fillRef>
-          <a:effectRef idx="1">
-            <a:schemeClr val="accent1"/>
-          </a:effectRef>
-          <a:fontRef idx="minor">
-            <a:schemeClr val="tx1"/>
-          </a:fontRef>
-        </p:style>
-      </p:cxnSp>
-      <p:cxnSp>
-        <p:nvCxnSpPr>
-          <p:cNvPr id="102" name="Elbow Connector 101"/>
-          <p:cNvCxnSpPr>
-            <a:stCxn id="50" idx="2"/>
-            <a:endCxn id="88" idx="3"/>
-          </p:cNvCxnSpPr>
-          <p:nvPr/>
-        </p:nvCxnSpPr>
-        <p:spPr>
-          <a:xfrm rot="5400000">
-            <a:off x="4008083" y="3358009"/>
-            <a:ext cx="3434945" cy="1583838"/>
-          </a:xfrm>
-          <a:prstGeom prst="bentConnector2">
-            <a:avLst/>
-          </a:prstGeom>
-          <a:ln>
-            <a:tailEnd type="triangle"/>
-          </a:ln>
-        </p:spPr>
-        <p:style>
-          <a:lnRef idx="2">
-            <a:schemeClr val="accent1"/>
-          </a:lnRef>
-          <a:fillRef idx="0">
-            <a:schemeClr val="accent1"/>
-          </a:fillRef>
-          <a:effectRef idx="1">
-            <a:schemeClr val="accent1"/>
-          </a:effectRef>
-          <a:fontRef idx="minor">
-            <a:schemeClr val="tx1"/>
-          </a:fontRef>
-        </p:style>
-      </p:cxnSp>
-      <p:cxnSp>
-        <p:nvCxnSpPr>
-          <p:cNvPr id="117" name="Elbow Connector 116"/>
-          <p:cNvCxnSpPr>
-            <a:stCxn id="46" idx="2"/>
-            <a:endCxn id="88" idx="3"/>
-          </p:cNvCxnSpPr>
-          <p:nvPr/>
-        </p:nvCxnSpPr>
-        <p:spPr>
-          <a:xfrm rot="5400000">
-            <a:off x="4521791" y="2844302"/>
-            <a:ext cx="3434945" cy="2611253"/>
-          </a:xfrm>
-          <a:prstGeom prst="bentConnector2">
-            <a:avLst/>
-          </a:prstGeom>
-          <a:ln>
-            <a:tailEnd type="triangle"/>
-          </a:ln>
-        </p:spPr>
-        <p:style>
-          <a:lnRef idx="2">
-            <a:schemeClr val="accent1"/>
-          </a:lnRef>
-          <a:fillRef idx="0">
-            <a:schemeClr val="accent1"/>
-          </a:fillRef>
-          <a:effectRef idx="1">
-            <a:schemeClr val="accent1"/>
-          </a:effectRef>
-          <a:fontRef idx="minor">
-            <a:schemeClr val="tx1"/>
-          </a:fontRef>
-        </p:style>
-      </p:cxnSp>
-      <p:sp>
-        <p:nvSpPr>
-          <p:cNvPr id="120" name="Diamond 119"/>
-          <p:cNvSpPr/>
-          <p:nvPr/>
-        </p:nvSpPr>
-        <p:spPr>
-          <a:xfrm>
-            <a:off x="5519410" y="3371214"/>
-            <a:ext cx="372569" cy="428046"/>
-          </a:xfrm>
-          <a:prstGeom prst="diamond">
-            <a:avLst/>
-          </a:prstGeom>
-          <a:solidFill>
-            <a:schemeClr val="accent4">
-              <a:lumMod val="60000"/>
-              <a:lumOff val="40000"/>
-            </a:schemeClr>
-          </a:solidFill>
-          <a:ln>
-            <a:solidFill>
-              <a:schemeClr val="accent4">
-                <a:lumMod val="75000"/>
-              </a:schemeClr>
-            </a:solidFill>
-          </a:ln>
-        </p:spPr>
-        <p:style>
-          <a:lnRef idx="2">
-            <a:schemeClr val="accent1">
-              <a:shade val="50000"/>
-            </a:schemeClr>
-          </a:lnRef>
-          <a:fillRef idx="1">
-            <a:schemeClr val="accent1"/>
-          </a:fillRef>
-          <a:effectRef idx="0">
-            <a:schemeClr val="accent1"/>
-          </a:effectRef>
-          <a:fontRef idx="minor">
-            <a:schemeClr val="lt1"/>
-          </a:fontRef>
-        </p:style>
-        <p:txBody>
-          <a:bodyPr rtlCol="0" anchor="ctr"/>
-          <a:lstStyle/>
-          <a:p>
-            <a:pPr algn="ctr"/>
-            <a:endParaRPr lang="en-US"/>
-          </a:p>
-        </p:txBody>
-      </p:sp>
-      <p:cxnSp>
-        <p:nvCxnSpPr>
-          <p:cNvPr id="140" name="Straight Arrow Connector 139"/>
-          <p:cNvCxnSpPr>
-            <a:stCxn id="11" idx="6"/>
-            <a:endCxn id="14" idx="1"/>
-          </p:cNvCxnSpPr>
-          <p:nvPr/>
-        </p:nvCxnSpPr>
-        <p:spPr>
-          <a:xfrm flipV="1">
-            <a:off x="1481067" y="990517"/>
-            <a:ext cx="838198" cy="1"/>
-          </a:xfrm>
-          <a:prstGeom prst="straightConnector1">
-            <a:avLst/>
-          </a:prstGeom>
-          <a:ln w="28575">
-            <a:solidFill>
-              <a:schemeClr val="tx2">
-                <a:lumMod val="60000"/>
-                <a:lumOff val="40000"/>
-              </a:schemeClr>
-            </a:solidFill>
-            <a:tailEnd type="arrow"/>
-          </a:ln>
-        </p:spPr>
-        <p:style>
-          <a:lnRef idx="1">
-            <a:schemeClr val="accent1"/>
-          </a:lnRef>
-          <a:fillRef idx="0">
-            <a:schemeClr val="accent1"/>
-          </a:fillRef>
-          <a:effectRef idx="0">
-            <a:schemeClr val="accent1"/>
-          </a:effectRef>
-          <a:fontRef idx="minor">
-            <a:schemeClr val="tx1"/>
-          </a:fontRef>
-        </p:style>
-      </p:cxnSp>
-      <p:cxnSp>
-        <p:nvCxnSpPr>
-          <p:cNvPr id="150" name="Elbow Connector 149"/>
-          <p:cNvCxnSpPr>
-            <a:stCxn id="120" idx="1"/>
-            <a:endCxn id="88" idx="0"/>
-          </p:cNvCxnSpPr>
-          <p:nvPr/>
-        </p:nvCxnSpPr>
-        <p:spPr>
-          <a:xfrm rot="10800000" flipV="1">
-            <a:off x="3442058" y="3585236"/>
-            <a:ext cx="2077352" cy="2129763"/>
-          </a:xfrm>
-          <a:prstGeom prst="bentConnector2">
-            <a:avLst/>
-          </a:prstGeom>
-          <a:ln>
-            <a:tailEnd type="triangle"/>
-          </a:ln>
-        </p:spPr>
-        <p:style>
-          <a:lnRef idx="2">
-            <a:schemeClr val="accent1"/>
-          </a:lnRef>
-          <a:fillRef idx="0">
-            <a:schemeClr val="accent1"/>
-          </a:fillRef>
-          <a:effectRef idx="1">
-            <a:schemeClr val="accent1"/>
-          </a:effectRef>
-          <a:fontRef idx="minor">
-            <a:schemeClr val="tx1"/>
-          </a:fontRef>
-        </p:style>
-      </p:cxnSp>
-      <p:cxnSp>
-        <p:nvCxnSpPr>
-          <p:cNvPr id="156" name="Straight Arrow Connector 155"/>
-          <p:cNvCxnSpPr/>
-          <p:nvPr/>
-        </p:nvCxnSpPr>
-        <p:spPr>
-          <a:xfrm>
-            <a:off x="5705694" y="2432455"/>
-            <a:ext cx="8149" cy="938759"/>
-          </a:xfrm>
-          <a:prstGeom prst="straightConnector1">
-            <a:avLst/>
-          </a:prstGeom>
-          <a:ln>
-            <a:headEnd type="triangle"/>
-            <a:tailEnd type="triangle"/>
-          </a:ln>
-        </p:spPr>
-        <p:style>
-          <a:lnRef idx="2">
-            <a:schemeClr val="accent1"/>
-          </a:lnRef>
-          <a:fillRef idx="0">
-            <a:schemeClr val="accent1"/>
-          </a:fillRef>
-          <a:effectRef idx="1">
-            <a:schemeClr val="accent1"/>
-          </a:effectRef>
-          <a:fontRef idx="minor">
-            <a:schemeClr val="tx1"/>
-          </a:fontRef>
-        </p:style>
-      </p:cxnSp>
-      <p:cxnSp>
-        <p:nvCxnSpPr>
-          <p:cNvPr id="157" name="Straight Arrow Connector 156"/>
-          <p:cNvCxnSpPr>
-            <a:stCxn id="120" idx="2"/>
-            <a:endCxn id="48" idx="0"/>
-          </p:cNvCxnSpPr>
-          <p:nvPr/>
-        </p:nvCxnSpPr>
-        <p:spPr>
-          <a:xfrm>
-            <a:off x="5705695" y="3799260"/>
-            <a:ext cx="8148" cy="761589"/>
-          </a:xfrm>
-          <a:prstGeom prst="straightConnector1">
-            <a:avLst/>
-          </a:prstGeom>
-          <a:ln>
-            <a:headEnd type="triangle"/>
-            <a:tailEnd type="triangle"/>
-          </a:ln>
-        </p:spPr>
-        <p:style>
-          <a:lnRef idx="2">
-            <a:schemeClr val="accent1"/>
-          </a:lnRef>
-          <a:fillRef idx="0">
-            <a:schemeClr val="accent1"/>
-          </a:fillRef>
-          <a:effectRef idx="1">
-            <a:schemeClr val="accent1"/>
-          </a:effectRef>
-          <a:fontRef idx="minor">
-            <a:schemeClr val="tx1"/>
-          </a:fontRef>
-        </p:style>
-      </p:cxnSp>
-      <p:cxnSp>
-        <p:nvCxnSpPr>
-          <p:cNvPr id="161" name="Elbow Connector 160"/>
-          <p:cNvCxnSpPr>
-            <a:stCxn id="48" idx="2"/>
-            <a:endCxn id="88" idx="0"/>
-          </p:cNvCxnSpPr>
-          <p:nvPr/>
-        </p:nvCxnSpPr>
-        <p:spPr>
-          <a:xfrm rot="5400000">
-            <a:off x="4166346" y="4167502"/>
-            <a:ext cx="823211" cy="2271785"/>
-          </a:xfrm>
-          <a:prstGeom prst="bentConnector3">
-            <a:avLst>
-              <a:gd name="adj1" fmla="val 50000"/>
-            </a:avLst>
-          </a:prstGeom>
-          <a:ln>
-            <a:tailEnd type="triangle"/>
-          </a:ln>
-        </p:spPr>
-        <p:style>
-          <a:lnRef idx="2">
-            <a:schemeClr val="accent1"/>
-          </a:lnRef>
-          <a:fillRef idx="0">
-            <a:schemeClr val="accent1"/>
-          </a:fillRef>
-          <a:effectRef idx="1">
-            <a:schemeClr val="accent1"/>
-          </a:effectRef>
-          <a:fontRef idx="minor">
-            <a:schemeClr val="tx1"/>
-          </a:fontRef>
-        </p:style>
-      </p:cxnSp>
-      <p:sp>
-        <p:nvSpPr>
-          <p:cNvPr id="177" name="Oval 176"/>
-          <p:cNvSpPr/>
-          <p:nvPr/>
-        </p:nvSpPr>
-        <p:spPr>
-          <a:xfrm>
-            <a:off x="435968" y="5486400"/>
-            <a:ext cx="304800" cy="304800"/>
-          </a:xfrm>
-          <a:prstGeom prst="ellipse">
-            <a:avLst/>
-          </a:prstGeom>
-          <a:ln>
-            <a:solidFill>
-              <a:schemeClr val="bg1"/>
-            </a:solidFill>
-          </a:ln>
-        </p:spPr>
-        <p:style>
-          <a:lnRef idx="2">
-            <a:schemeClr val="accent1">
-              <a:shade val="50000"/>
-            </a:schemeClr>
-          </a:lnRef>
-          <a:fillRef idx="1">
-            <a:schemeClr val="accent1"/>
-          </a:fillRef>
-          <a:effectRef idx="0">
-            <a:schemeClr val="accent1"/>
-          </a:effectRef>
-          <a:fontRef idx="minor">
-            <a:schemeClr val="lt1"/>
-          </a:fontRef>
-        </p:style>
-        <p:txBody>
-          <a:bodyPr rtlCol="0" anchor="ctr"/>
-          <a:lstStyle/>
-          <a:p>
-            <a:pPr algn="ctr"/>
-            <a:endParaRPr lang="en-US"/>
-          </a:p>
-        </p:txBody>
-      </p:sp>
-      <p:sp>
-        <p:nvSpPr>
-          <p:cNvPr id="178" name="Rectangle 177"/>
-          <p:cNvSpPr/>
-          <p:nvPr/>
-        </p:nvSpPr>
-        <p:spPr>
-          <a:xfrm>
-            <a:off x="152400" y="5817339"/>
-            <a:ext cx="1412239" cy="307777"/>
-          </a:xfrm>
-          <a:prstGeom prst="rect">
-            <a:avLst/>
-          </a:prstGeom>
-        </p:spPr>
-        <p:txBody>
-          <a:bodyPr wrap="square">
-            <a:spAutoFit/>
-          </a:bodyPr>
-          <a:lstStyle/>
-          <a:p>
-            <a:pPr algn="ctr"/>
-            <a:r>
-              <a:rPr lang="en-SG" sz="1400" dirty="0" smtClean="0"/>
-              <a:t>(end application)</a:t>
-            </a:r>
-            <a:endParaRPr lang="en-SG" sz="1400" dirty="0"/>
-          </a:p>
-        </p:txBody>
-      </p:sp>
-      <p:sp>
-        <p:nvSpPr>
-          <p:cNvPr id="42" name="Rectangle 62"/>
-          <p:cNvSpPr/>
-          <p:nvPr/>
-        </p:nvSpPr>
-        <p:spPr>
-          <a:xfrm flipH="1">
-            <a:off x="8996476" y="2088446"/>
-            <a:ext cx="633794" cy="330940"/>
-          </a:xfrm>
-          <a:prstGeom prst="roundRect">
-            <a:avLst/>
-          </a:prstGeom>
-          <a:ln/>
-        </p:spPr>
-        <p:style>
-          <a:lnRef idx="2">
-            <a:schemeClr val="accent5">
-              <a:shade val="50000"/>
-            </a:schemeClr>
-          </a:lnRef>
-          <a:fillRef idx="1">
-            <a:schemeClr val="accent5"/>
-          </a:fillRef>
-          <a:effectRef idx="0">
-            <a:schemeClr val="accent5"/>
-          </a:effectRef>
-          <a:fontRef idx="minor">
-            <a:schemeClr val="lt1"/>
-          </a:fontRef>
-        </p:style>
-        <p:txBody>
-          <a:bodyPr rtlCol="0" anchor="ctr"/>
-          <a:lstStyle/>
-          <a:p>
-            <a:pPr algn="ctr"/>
-            <a:r>
-              <a:rPr lang="en-US" sz="1600" dirty="0" smtClean="0">
+            </a:lnRef>
+            <a:fillRef idx="1">
+              <a:schemeClr val="accent5"/>
+            </a:fillRef>
+            <a:effectRef idx="0">
+              <a:schemeClr val="accent5"/>
+            </a:effectRef>
+            <a:fontRef idx="minor">
+              <a:schemeClr val="lt1"/>
+            </a:fontRef>
+          </p:style>
+          <p:txBody>
+            <a:bodyPr rtlCol="0" anchor="ctr"/>
+            <a:lstStyle/>
+            <a:p>
+              <a:pPr algn="ctr"/>
+              <a:r>
+                <a:rPr lang="en-US" sz="1600" dirty="0" smtClean="0">
+                  <a:solidFill>
+                    <a:schemeClr val="bg1"/>
+                  </a:solidFill>
+                </a:rPr>
+                <a:t>View</a:t>
+              </a:r>
+              <a:endParaRPr lang="en-SG" sz="1600" dirty="0">
                 <a:solidFill>
                   <a:schemeClr val="bg1"/>
                 </a:solidFill>
-              </a:rPr>
-              <a:t>View</a:t>
-            </a:r>
-            <a:endParaRPr lang="en-SG" sz="1600" dirty="0">
-              <a:solidFill>
-                <a:schemeClr val="bg1"/>
-              </a:solidFill>
-            </a:endParaRPr>
-          </a:p>
-        </p:txBody>
-      </p:sp>
-      <p:sp>
-        <p:nvSpPr>
-          <p:cNvPr id="43" name="Rectangle 62"/>
-          <p:cNvSpPr/>
-          <p:nvPr/>
-        </p:nvSpPr>
-        <p:spPr>
-          <a:xfrm flipH="1">
-            <a:off x="8158820" y="2088446"/>
-            <a:ext cx="633794" cy="330940"/>
-          </a:xfrm>
-          <a:prstGeom prst="roundRect">
-            <a:avLst/>
-          </a:prstGeom>
-          <a:ln/>
-        </p:spPr>
-        <p:style>
-          <a:lnRef idx="2">
-            <a:schemeClr val="accent5">
-              <a:shade val="50000"/>
-            </a:schemeClr>
-          </a:lnRef>
-          <a:fillRef idx="1">
-            <a:schemeClr val="accent5"/>
-          </a:fillRef>
-          <a:effectRef idx="0">
-            <a:schemeClr val="accent5"/>
-          </a:effectRef>
-          <a:fontRef idx="minor">
-            <a:schemeClr val="lt1"/>
-          </a:fontRef>
-        </p:style>
-        <p:txBody>
-          <a:bodyPr rtlCol="0" anchor="ctr"/>
-          <a:lstStyle/>
-          <a:p>
-            <a:pPr algn="ctr"/>
-            <a:r>
-              <a:rPr lang="en-US" sz="1600" dirty="0" smtClean="0">
+              </a:endParaRPr>
+            </a:p>
+          </p:txBody>
+        </p:sp>
+        <p:sp>
+          <p:nvSpPr>
+            <p:cNvPr id="43" name="Rectangle 62"/>
+            <p:cNvSpPr/>
+            <p:nvPr/>
+          </p:nvSpPr>
+          <p:spPr>
+            <a:xfrm flipH="1">
+              <a:off x="8158820" y="2088446"/>
+              <a:ext cx="633794" cy="330940"/>
+            </a:xfrm>
+            <a:prstGeom prst="roundRect">
+              <a:avLst/>
+            </a:prstGeom>
+            <a:ln/>
+          </p:spPr>
+          <p:style>
+            <a:lnRef idx="2">
+              <a:schemeClr val="accent5">
+                <a:shade val="50000"/>
+              </a:schemeClr>
+            </a:lnRef>
+            <a:fillRef idx="1">
+              <a:schemeClr val="accent5"/>
+            </a:fillRef>
+            <a:effectRef idx="0">
+              <a:schemeClr val="accent5"/>
+            </a:effectRef>
+            <a:fontRef idx="minor">
+              <a:schemeClr val="lt1"/>
+            </a:fontRef>
+          </p:style>
+          <p:txBody>
+            <a:bodyPr rtlCol="0" anchor="ctr"/>
+            <a:lstStyle/>
+            <a:p>
+              <a:pPr algn="ctr"/>
+              <a:r>
+                <a:rPr lang="en-US" sz="1600" dirty="0" smtClean="0">
+                  <a:solidFill>
+                    <a:schemeClr val="bg1"/>
+                  </a:solidFill>
+                </a:rPr>
+                <a:t>Find</a:t>
+              </a:r>
+              <a:endParaRPr lang="en-SG" sz="1600" dirty="0">
                 <a:solidFill>
                   <a:schemeClr val="bg1"/>
                 </a:solidFill>
-              </a:rPr>
-              <a:t>Find</a:t>
-            </a:r>
-            <a:endParaRPr lang="en-SG" sz="1600" dirty="0">
-              <a:solidFill>
-                <a:schemeClr val="bg1"/>
-              </a:solidFill>
-            </a:endParaRPr>
-          </a:p>
-        </p:txBody>
-      </p:sp>
-      <p:sp>
-        <p:nvSpPr>
-          <p:cNvPr id="44" name="Rectangle 62"/>
-          <p:cNvSpPr/>
-          <p:nvPr/>
-        </p:nvSpPr>
-        <p:spPr>
-          <a:xfrm flipH="1">
-            <a:off x="9918237" y="2088446"/>
-            <a:ext cx="587208" cy="330940"/>
-          </a:xfrm>
-          <a:prstGeom prst="roundRect">
-            <a:avLst/>
-          </a:prstGeom>
-          <a:ln/>
-        </p:spPr>
-        <p:style>
-          <a:lnRef idx="2">
-            <a:schemeClr val="accent5">
-              <a:shade val="50000"/>
-            </a:schemeClr>
-          </a:lnRef>
-          <a:fillRef idx="1">
-            <a:schemeClr val="accent5"/>
-          </a:fillRef>
-          <a:effectRef idx="0">
-            <a:schemeClr val="accent5"/>
-          </a:effectRef>
-          <a:fontRef idx="minor">
-            <a:schemeClr val="lt1"/>
-          </a:fontRef>
-        </p:style>
-        <p:txBody>
-          <a:bodyPr rtlCol="0" anchor="ctr"/>
-          <a:lstStyle/>
-          <a:p>
-            <a:r>
-              <a:rPr lang="en-US" sz="1600" dirty="0" smtClean="0">
+              </a:endParaRPr>
+            </a:p>
+          </p:txBody>
+        </p:sp>
+        <p:sp>
+          <p:nvSpPr>
+            <p:cNvPr id="44" name="Rectangle 62"/>
+            <p:cNvSpPr/>
+            <p:nvPr/>
+          </p:nvSpPr>
+          <p:spPr>
+            <a:xfrm flipH="1">
+              <a:off x="9918237" y="2088446"/>
+              <a:ext cx="587208" cy="330940"/>
+            </a:xfrm>
+            <a:prstGeom prst="roundRect">
+              <a:avLst/>
+            </a:prstGeom>
+            <a:ln/>
+          </p:spPr>
+          <p:style>
+            <a:lnRef idx="2">
+              <a:schemeClr val="accent5">
+                <a:shade val="50000"/>
+              </a:schemeClr>
+            </a:lnRef>
+            <a:fillRef idx="1">
+              <a:schemeClr val="accent5"/>
+            </a:fillRef>
+            <a:effectRef idx="0">
+              <a:schemeClr val="accent5"/>
+            </a:effectRef>
+            <a:fontRef idx="minor">
+              <a:schemeClr val="lt1"/>
+            </a:fontRef>
+          </p:style>
+          <p:txBody>
+            <a:bodyPr rtlCol="0" anchor="ctr"/>
+            <a:lstStyle/>
+            <a:p>
+              <a:r>
+                <a:rPr lang="en-US" sz="1600" dirty="0" smtClean="0">
+                  <a:solidFill>
+                    <a:schemeClr val="bg1"/>
+                  </a:solidFill>
+                </a:rPr>
+                <a:t>List</a:t>
+              </a:r>
+              <a:endParaRPr lang="en-SG" sz="1600" dirty="0">
                 <a:solidFill>
                   <a:schemeClr val="bg1"/>
                 </a:solidFill>
-              </a:rPr>
-              <a:t>List</a:t>
-            </a:r>
-            <a:endParaRPr lang="en-SG" sz="1600" dirty="0">
+              </a:endParaRPr>
+            </a:p>
+          </p:txBody>
+        </p:sp>
+        <p:cxnSp>
+          <p:nvCxnSpPr>
+            <p:cNvPr id="45" name="Straight Arrow Connector 44"/>
+            <p:cNvCxnSpPr/>
+            <p:nvPr/>
+          </p:nvCxnSpPr>
+          <p:spPr>
+            <a:xfrm>
+              <a:off x="2623773" y="1308314"/>
+              <a:ext cx="6619287" cy="787634"/>
+            </a:xfrm>
+            <a:prstGeom prst="straightConnector1">
+              <a:avLst/>
+            </a:prstGeom>
+            <a:ln w="28575">
               <a:solidFill>
-                <a:schemeClr val="bg1"/>
+                <a:schemeClr val="tx2">
+                  <a:lumMod val="60000"/>
+                  <a:lumOff val="40000"/>
+                </a:schemeClr>
               </a:solidFill>
-            </a:endParaRPr>
-          </a:p>
-        </p:txBody>
-      </p:sp>
-      <p:cxnSp>
-        <p:nvCxnSpPr>
-          <p:cNvPr id="45" name="Straight Arrow Connector 44"/>
-          <p:cNvCxnSpPr/>
-          <p:nvPr/>
-        </p:nvCxnSpPr>
-        <p:spPr>
-          <a:xfrm>
-            <a:off x="2623773" y="1308314"/>
-            <a:ext cx="6619287" cy="787634"/>
-          </a:xfrm>
-          <a:prstGeom prst="straightConnector1">
-            <a:avLst/>
-          </a:prstGeom>
-          <a:ln w="28575">
-            <a:solidFill>
-              <a:schemeClr val="tx2">
-                <a:lumMod val="60000"/>
-                <a:lumOff val="40000"/>
-              </a:schemeClr>
-            </a:solidFill>
-            <a:tailEnd type="arrow"/>
-          </a:ln>
-        </p:spPr>
-        <p:style>
-          <a:lnRef idx="1">
-            <a:schemeClr val="accent1"/>
-          </a:lnRef>
-          <a:fillRef idx="0">
-            <a:schemeClr val="accent1"/>
-          </a:fillRef>
-          <a:effectRef idx="0">
-            <a:schemeClr val="accent1"/>
-          </a:effectRef>
-          <a:fontRef idx="minor">
-            <a:schemeClr val="tx1"/>
-          </a:fontRef>
-        </p:style>
-      </p:cxnSp>
-      <p:cxnSp>
-        <p:nvCxnSpPr>
-          <p:cNvPr id="60" name="Straight Arrow Connector 59"/>
-          <p:cNvCxnSpPr/>
-          <p:nvPr/>
-        </p:nvCxnSpPr>
-        <p:spPr>
-          <a:xfrm>
-            <a:off x="2541523" y="1316525"/>
-            <a:ext cx="5897070" cy="768746"/>
-          </a:xfrm>
-          <a:prstGeom prst="straightConnector1">
-            <a:avLst/>
-          </a:prstGeom>
-          <a:ln w="28575">
-            <a:solidFill>
-              <a:schemeClr val="tx2">
-                <a:lumMod val="60000"/>
-                <a:lumOff val="40000"/>
-              </a:schemeClr>
-            </a:solidFill>
-            <a:tailEnd type="arrow"/>
-          </a:ln>
-        </p:spPr>
-        <p:style>
-          <a:lnRef idx="1">
-            <a:schemeClr val="accent1"/>
-          </a:lnRef>
-          <a:fillRef idx="0">
-            <a:schemeClr val="accent1"/>
-          </a:fillRef>
-          <a:effectRef idx="0">
-            <a:schemeClr val="accent1"/>
-          </a:effectRef>
-          <a:fontRef idx="minor">
-            <a:schemeClr val="tx1"/>
-          </a:fontRef>
-        </p:style>
-      </p:cxnSp>
-      <p:cxnSp>
-        <p:nvCxnSpPr>
-          <p:cNvPr id="61" name="Straight Arrow Connector 60"/>
-          <p:cNvCxnSpPr/>
-          <p:nvPr/>
-        </p:nvCxnSpPr>
-        <p:spPr>
-          <a:xfrm>
-            <a:off x="2601669" y="1283299"/>
-            <a:ext cx="7549904" cy="785870"/>
-          </a:xfrm>
-          <a:prstGeom prst="straightConnector1">
-            <a:avLst/>
-          </a:prstGeom>
-          <a:ln w="28575">
-            <a:solidFill>
-              <a:schemeClr val="tx2">
-                <a:lumMod val="60000"/>
-                <a:lumOff val="40000"/>
-              </a:schemeClr>
-            </a:solidFill>
-            <a:tailEnd type="arrow"/>
-          </a:ln>
-        </p:spPr>
-        <p:style>
-          <a:lnRef idx="1">
-            <a:schemeClr val="accent1"/>
-          </a:lnRef>
-          <a:fillRef idx="0">
-            <a:schemeClr val="accent1"/>
-          </a:fillRef>
-          <a:effectRef idx="0">
-            <a:schemeClr val="accent1"/>
-          </a:effectRef>
-          <a:fontRef idx="minor">
-            <a:schemeClr val="tx1"/>
-          </a:fontRef>
-        </p:style>
-      </p:cxnSp>
-      <p:cxnSp>
-        <p:nvCxnSpPr>
-          <p:cNvPr id="62" name="Elbow Connector 61"/>
-          <p:cNvCxnSpPr>
-            <a:stCxn id="43" idx="2"/>
-          </p:cNvCxnSpPr>
-          <p:nvPr/>
-        </p:nvCxnSpPr>
-        <p:spPr>
-          <a:xfrm rot="5400000">
-            <a:off x="5007454" y="2399137"/>
-            <a:ext cx="3448015" cy="3488512"/>
-          </a:xfrm>
-          <a:prstGeom prst="bentConnector2">
-            <a:avLst/>
-          </a:prstGeom>
-          <a:ln>
-            <a:tailEnd type="triangle"/>
-          </a:ln>
-        </p:spPr>
-        <p:style>
-          <a:lnRef idx="2">
-            <a:schemeClr val="accent1"/>
-          </a:lnRef>
-          <a:fillRef idx="0">
-            <a:schemeClr val="accent1"/>
-          </a:fillRef>
-          <a:effectRef idx="1">
-            <a:schemeClr val="accent1"/>
-          </a:effectRef>
-          <a:fontRef idx="minor">
-            <a:schemeClr val="tx1"/>
-          </a:fontRef>
-        </p:style>
-      </p:cxnSp>
-      <p:cxnSp>
-        <p:nvCxnSpPr>
-          <p:cNvPr id="67" name="Elbow Connector 66"/>
-          <p:cNvCxnSpPr/>
-          <p:nvPr/>
-        </p:nvCxnSpPr>
-        <p:spPr>
-          <a:xfrm rot="10800000" flipV="1">
-            <a:off x="4987205" y="2422560"/>
-            <a:ext cx="4337777" cy="3477363"/>
-          </a:xfrm>
-          <a:prstGeom prst="bentConnector3">
-            <a:avLst>
-              <a:gd name="adj1" fmla="val -441"/>
-            </a:avLst>
-          </a:prstGeom>
-          <a:ln>
-            <a:tailEnd type="triangle"/>
-          </a:ln>
-        </p:spPr>
-        <p:style>
-          <a:lnRef idx="2">
-            <a:schemeClr val="accent1"/>
-          </a:lnRef>
-          <a:fillRef idx="0">
-            <a:schemeClr val="accent1"/>
-          </a:fillRef>
-          <a:effectRef idx="1">
-            <a:schemeClr val="accent1"/>
-          </a:effectRef>
-          <a:fontRef idx="minor">
-            <a:schemeClr val="tx1"/>
-          </a:fontRef>
-        </p:style>
-      </p:cxnSp>
-      <p:cxnSp>
-        <p:nvCxnSpPr>
-          <p:cNvPr id="70" name="Elbow Connector 69"/>
-          <p:cNvCxnSpPr/>
-          <p:nvPr/>
-        </p:nvCxnSpPr>
-        <p:spPr>
-          <a:xfrm rot="10800000" flipV="1">
-            <a:off x="5013863" y="2418603"/>
-            <a:ext cx="5227744" cy="3481320"/>
-          </a:xfrm>
-          <a:prstGeom prst="bentConnector3">
-            <a:avLst>
-              <a:gd name="adj1" fmla="val 181"/>
-            </a:avLst>
-          </a:prstGeom>
-          <a:ln>
-            <a:tailEnd type="triangle"/>
-          </a:ln>
-        </p:spPr>
-        <p:style>
-          <a:lnRef idx="2">
-            <a:schemeClr val="accent1"/>
-          </a:lnRef>
-          <a:fillRef idx="0">
-            <a:schemeClr val="accent1"/>
-          </a:fillRef>
-          <a:effectRef idx="1">
-            <a:schemeClr val="accent1"/>
-          </a:effectRef>
-          <a:fontRef idx="minor">
-            <a:schemeClr val="tx1"/>
-          </a:fontRef>
-        </p:style>
-      </p:cxnSp>
+              <a:tailEnd type="arrow"/>
+            </a:ln>
+          </p:spPr>
+          <p:style>
+            <a:lnRef idx="1">
+              <a:schemeClr val="accent1"/>
+            </a:lnRef>
+            <a:fillRef idx="0">
+              <a:schemeClr val="accent1"/>
+            </a:fillRef>
+            <a:effectRef idx="0">
+              <a:schemeClr val="accent1"/>
+            </a:effectRef>
+            <a:fontRef idx="minor">
+              <a:schemeClr val="tx1"/>
+            </a:fontRef>
+          </p:style>
+        </p:cxnSp>
+        <p:cxnSp>
+          <p:nvCxnSpPr>
+            <p:cNvPr id="60" name="Straight Arrow Connector 59"/>
+            <p:cNvCxnSpPr/>
+            <p:nvPr/>
+          </p:nvCxnSpPr>
+          <p:spPr>
+            <a:xfrm>
+              <a:off x="2541523" y="1316525"/>
+              <a:ext cx="5897070" cy="768746"/>
+            </a:xfrm>
+            <a:prstGeom prst="straightConnector1">
+              <a:avLst/>
+            </a:prstGeom>
+            <a:ln w="28575">
+              <a:solidFill>
+                <a:schemeClr val="tx2">
+                  <a:lumMod val="60000"/>
+                  <a:lumOff val="40000"/>
+                </a:schemeClr>
+              </a:solidFill>
+              <a:tailEnd type="arrow"/>
+            </a:ln>
+          </p:spPr>
+          <p:style>
+            <a:lnRef idx="1">
+              <a:schemeClr val="accent1"/>
+            </a:lnRef>
+            <a:fillRef idx="0">
+              <a:schemeClr val="accent1"/>
+            </a:fillRef>
+            <a:effectRef idx="0">
+              <a:schemeClr val="accent1"/>
+            </a:effectRef>
+            <a:fontRef idx="minor">
+              <a:schemeClr val="tx1"/>
+            </a:fontRef>
+          </p:style>
+        </p:cxnSp>
+        <p:cxnSp>
+          <p:nvCxnSpPr>
+            <p:cNvPr id="61" name="Straight Arrow Connector 60"/>
+            <p:cNvCxnSpPr/>
+            <p:nvPr/>
+          </p:nvCxnSpPr>
+          <p:spPr>
+            <a:xfrm>
+              <a:off x="2601669" y="1283299"/>
+              <a:ext cx="7549904" cy="785870"/>
+            </a:xfrm>
+            <a:prstGeom prst="straightConnector1">
+              <a:avLst/>
+            </a:prstGeom>
+            <a:ln w="28575">
+              <a:solidFill>
+                <a:schemeClr val="tx2">
+                  <a:lumMod val="60000"/>
+                  <a:lumOff val="40000"/>
+                </a:schemeClr>
+              </a:solidFill>
+              <a:tailEnd type="arrow"/>
+            </a:ln>
+          </p:spPr>
+          <p:style>
+            <a:lnRef idx="1">
+              <a:schemeClr val="accent1"/>
+            </a:lnRef>
+            <a:fillRef idx="0">
+              <a:schemeClr val="accent1"/>
+            </a:fillRef>
+            <a:effectRef idx="0">
+              <a:schemeClr val="accent1"/>
+            </a:effectRef>
+            <a:fontRef idx="minor">
+              <a:schemeClr val="tx1"/>
+            </a:fontRef>
+          </p:style>
+        </p:cxnSp>
+        <p:cxnSp>
+          <p:nvCxnSpPr>
+            <p:cNvPr id="62" name="Elbow Connector 61"/>
+            <p:cNvCxnSpPr>
+              <a:stCxn id="43" idx="2"/>
+            </p:cNvCxnSpPr>
+            <p:nvPr/>
+          </p:nvCxnSpPr>
+          <p:spPr>
+            <a:xfrm rot="5400000">
+              <a:off x="5007454" y="2399137"/>
+              <a:ext cx="3448015" cy="3488512"/>
+            </a:xfrm>
+            <a:prstGeom prst="bentConnector2">
+              <a:avLst/>
+            </a:prstGeom>
+            <a:ln>
+              <a:tailEnd type="triangle"/>
+            </a:ln>
+          </p:spPr>
+          <p:style>
+            <a:lnRef idx="2">
+              <a:schemeClr val="accent1"/>
+            </a:lnRef>
+            <a:fillRef idx="0">
+              <a:schemeClr val="accent1"/>
+            </a:fillRef>
+            <a:effectRef idx="1">
+              <a:schemeClr val="accent1"/>
+            </a:effectRef>
+            <a:fontRef idx="minor">
+              <a:schemeClr val="tx1"/>
+            </a:fontRef>
+          </p:style>
+        </p:cxnSp>
+        <p:cxnSp>
+          <p:nvCxnSpPr>
+            <p:cNvPr id="67" name="Elbow Connector 66"/>
+            <p:cNvCxnSpPr/>
+            <p:nvPr/>
+          </p:nvCxnSpPr>
+          <p:spPr>
+            <a:xfrm rot="10800000" flipV="1">
+              <a:off x="4987205" y="2422560"/>
+              <a:ext cx="4337777" cy="3477363"/>
+            </a:xfrm>
+            <a:prstGeom prst="bentConnector3">
+              <a:avLst>
+                <a:gd name="adj1" fmla="val -441"/>
+              </a:avLst>
+            </a:prstGeom>
+            <a:ln>
+              <a:tailEnd type="triangle"/>
+            </a:ln>
+          </p:spPr>
+          <p:style>
+            <a:lnRef idx="2">
+              <a:schemeClr val="accent1"/>
+            </a:lnRef>
+            <a:fillRef idx="0">
+              <a:schemeClr val="accent1"/>
+            </a:fillRef>
+            <a:effectRef idx="1">
+              <a:schemeClr val="accent1"/>
+            </a:effectRef>
+            <a:fontRef idx="minor">
+              <a:schemeClr val="tx1"/>
+            </a:fontRef>
+          </p:style>
+        </p:cxnSp>
+        <p:cxnSp>
+          <p:nvCxnSpPr>
+            <p:cNvPr id="70" name="Elbow Connector 69"/>
+            <p:cNvCxnSpPr/>
+            <p:nvPr/>
+          </p:nvCxnSpPr>
+          <p:spPr>
+            <a:xfrm rot="10800000" flipV="1">
+              <a:off x="5013863" y="2418603"/>
+              <a:ext cx="5227744" cy="3481320"/>
+            </a:xfrm>
+            <a:prstGeom prst="bentConnector3">
+              <a:avLst>
+                <a:gd name="adj1" fmla="val 181"/>
+              </a:avLst>
+            </a:prstGeom>
+            <a:ln>
+              <a:tailEnd type="triangle"/>
+            </a:ln>
+          </p:spPr>
+          <p:style>
+            <a:lnRef idx="2">
+              <a:schemeClr val="accent1"/>
+            </a:lnRef>
+            <a:fillRef idx="0">
+              <a:schemeClr val="accent1"/>
+            </a:fillRef>
+            <a:effectRef idx="1">
+              <a:schemeClr val="accent1"/>
+            </a:effectRef>
+            <a:fontRef idx="minor">
+              <a:schemeClr val="tx1"/>
+            </a:fontRef>
+          </p:style>
+        </p:cxnSp>
+      </p:grpSp>
     </p:spTree>
     <p:extLst>
       <p:ext uri="{BB962C8B-B14F-4D97-AF65-F5344CB8AC3E}">
@@ -5672,6 +5683,13 @@
   <p:clrMapOvr>
     <a:masterClrMapping/>
   </p:clrMapOvr>
+  <p:timing>
+    <p:tnLst>
+      <p:par>
+        <p:cTn id="1" dur="indefinite" restart="never" nodeType="tmRoot"/>
+      </p:par>
+    </p:tnLst>
+  </p:timing>
 </p:sld>
 </file>
 
